--- a/IT_System_Attack_Case_Study/Kypo_on_OpenStack_Deployment/img/designDoc.pptx
+++ b/IT_System_Attack_Case_Study/Kypo_on_OpenStack_Deployment/img/designDoc.pptx
@@ -104,6 +104,11 @@
       </a:defRPr>
     </a:lvl9pPr>
   </p:defaultTextStyle>
+  <p:extLst>
+    <p:ext uri="{EFAFB233-063F-42B5-8137-9DF3F51BA10A}">
+      <p15:sldGuideLst xmlns:p15="http://schemas.microsoft.com/office/powerpoint/2012/main"/>
+    </p:ext>
+  </p:extLst>
 </p:presentation>
 </file>
 
@@ -3356,8 +3361,8 @@
         </p:nvSpPr>
         <p:spPr>
           <a:xfrm>
-            <a:off x="870919" y="2751754"/>
-            <a:ext cx="1802357" cy="995621"/>
+            <a:off x="870918" y="2751754"/>
+            <a:ext cx="2055159" cy="995621"/>
           </a:xfrm>
           <a:prstGeom prst="rect">
             <a:avLst/>
@@ -3386,62 +3391,27 @@
           <a:p>
             <a:r>
               <a:rPr lang="en-SG" b="1" dirty="0"/>
-              <a:t>Pre-config all the OpenStack setting  </a:t>
-            </a:r>
-          </a:p>
-        </p:txBody>
-      </p:sp>
-      <p:pic>
-        <p:nvPicPr>
-          <p:cNvPr id="5" name="Picture 4">
-            <a:extLst>
-              <a:ext uri="{FF2B5EF4-FFF2-40B4-BE49-F238E27FC236}">
-                <a16:creationId xmlns:a16="http://schemas.microsoft.com/office/drawing/2014/main" id="{9790DBF2-B3E5-2FC9-9C75-92B42D05ACE7}"/>
-              </a:ext>
-            </a:extLst>
-          </p:cNvPr>
-          <p:cNvPicPr>
-            <a:picLocks noChangeAspect="1"/>
-          </p:cNvPicPr>
+              <a:t>Step1: Pre-config all the OpenStack settings</a:t>
+            </a:r>
+          </a:p>
+        </p:txBody>
+      </p:sp>
+      <p:sp>
+        <p:nvSpPr>
+          <p:cNvPr id="6" name="Rectangle 5">
+            <a:extLst>
+              <a:ext uri="{FF2B5EF4-FFF2-40B4-BE49-F238E27FC236}">
+                <a16:creationId xmlns:a16="http://schemas.microsoft.com/office/drawing/2014/main" id="{B8E18EB1-FD2F-FCA0-3D31-E938DFF11781}"/>
+              </a:ext>
+            </a:extLst>
+          </p:cNvPr>
+          <p:cNvSpPr/>
           <p:nvPr/>
-        </p:nvPicPr>
-        <p:blipFill>
-          <a:blip r:embed="rId2"/>
-          <a:stretch>
-            <a:fillRect/>
-          </a:stretch>
-        </p:blipFill>
+        </p:nvSpPr>
         <p:spPr>
           <a:xfrm>
-            <a:off x="2125837" y="3219772"/>
-            <a:ext cx="481111" cy="415024"/>
-          </a:xfrm>
-          <a:prstGeom prst="rect">
-            <a:avLst/>
-          </a:prstGeom>
-          <a:ln w="9525">
-            <a:solidFill>
-              <a:schemeClr val="tx1"/>
-            </a:solidFill>
-          </a:ln>
-        </p:spPr>
-      </p:pic>
-      <p:sp>
-        <p:nvSpPr>
-          <p:cNvPr id="6" name="Rectangle 5">
-            <a:extLst>
-              <a:ext uri="{FF2B5EF4-FFF2-40B4-BE49-F238E27FC236}">
-                <a16:creationId xmlns:a16="http://schemas.microsoft.com/office/drawing/2014/main" id="{B8E18EB1-FD2F-FCA0-3D31-E938DFF11781}"/>
-              </a:ext>
-            </a:extLst>
-          </p:cNvPr>
-          <p:cNvSpPr/>
-          <p:nvPr/>
-        </p:nvSpPr>
-        <p:spPr>
-          <a:xfrm>
-            <a:off x="3548899" y="2751756"/>
-            <a:ext cx="1969678" cy="995619"/>
+            <a:off x="3437916" y="2751756"/>
+            <a:ext cx="2263631" cy="995619"/>
           </a:xfrm>
           <a:prstGeom prst="rect">
             <a:avLst/>
@@ -3470,7 +3440,7 @@
           <a:p>
             <a:r>
               <a:rPr lang="en-US" b="1" dirty="0"/>
-              <a:t>Deployment of OpenStack base resources</a:t>
+              <a:t>Step 2: Deployment of OpenStack base resources</a:t>
             </a:r>
             <a:r>
               <a:rPr lang="en-SG" b="1" dirty="0"/>
@@ -3495,8 +3465,8 @@
         </p:nvCxnSpPr>
         <p:spPr>
           <a:xfrm>
-            <a:off x="2712768" y="3219772"/>
-            <a:ext cx="776918" cy="0"/>
+            <a:off x="2840019" y="4672055"/>
+            <a:ext cx="5686964" cy="0"/>
           </a:xfrm>
           <a:prstGeom prst="straightConnector1">
             <a:avLst/>
@@ -3535,8 +3505,8 @@
         </p:nvSpPr>
         <p:spPr>
           <a:xfrm>
-            <a:off x="6387983" y="2721962"/>
-            <a:ext cx="1969678" cy="995619"/>
+            <a:off x="6248129" y="2754236"/>
+            <a:ext cx="2263627" cy="995619"/>
           </a:xfrm>
           <a:prstGeom prst="rect">
             <a:avLst/>
@@ -3565,54 +3535,12 @@
           <a:p>
             <a:r>
               <a:rPr lang="en-US" b="1" dirty="0"/>
-              <a:t>Deployment of KYPO-CRP Helm application</a:t>
+              <a:t>Step 3: Deployment of KYPO-CRP Helm application</a:t>
             </a:r>
             <a:endParaRPr lang="en-SG" b="1" dirty="0"/>
           </a:p>
         </p:txBody>
       </p:sp>
-      <p:cxnSp>
-        <p:nvCxnSpPr>
-          <p:cNvPr id="9" name="Straight Arrow Connector 8">
-            <a:extLst>
-              <a:ext uri="{FF2B5EF4-FFF2-40B4-BE49-F238E27FC236}">
-                <a16:creationId xmlns:a16="http://schemas.microsoft.com/office/drawing/2014/main" id="{86C8FAB3-63D9-F8B7-770A-1983471092F8}"/>
-              </a:ext>
-            </a:extLst>
-          </p:cNvPr>
-          <p:cNvCxnSpPr>
-            <a:cxnSpLocks/>
-          </p:cNvCxnSpPr>
-          <p:nvPr/>
-        </p:nvCxnSpPr>
-        <p:spPr>
-          <a:xfrm>
-            <a:off x="5564821" y="3171114"/>
-            <a:ext cx="776918" cy="0"/>
-          </a:xfrm>
-          <a:prstGeom prst="straightConnector1">
-            <a:avLst/>
-          </a:prstGeom>
-          <a:ln w="19050">
-            <a:prstDash val="sysDash"/>
-            <a:tailEnd type="triangle"/>
-          </a:ln>
-        </p:spPr>
-        <p:style>
-          <a:lnRef idx="1">
-            <a:schemeClr val="accent1"/>
-          </a:lnRef>
-          <a:fillRef idx="0">
-            <a:schemeClr val="accent1"/>
-          </a:fillRef>
-          <a:effectRef idx="0">
-            <a:schemeClr val="accent1"/>
-          </a:effectRef>
-          <a:fontRef idx="minor">
-            <a:schemeClr val="tx1"/>
-          </a:fontRef>
-        </p:style>
-      </p:cxnSp>
       <p:pic>
         <p:nvPicPr>
           <p:cNvPr id="10" name="Picture 2" descr="Terraform vCloud Director Provider Holiday Release - VMware Cloud Provider  Blog">
@@ -3628,7 +3556,7 @@
           <p:nvPr/>
         </p:nvPicPr>
         <p:blipFill>
-          <a:blip r:embed="rId3">
+          <a:blip r:embed="rId2">
             <a:extLst>
               <a:ext uri="{28A0092B-C50C-407E-A947-70E740481C1C}">
                 <a14:useLocalDpi xmlns:a14="http://schemas.microsoft.com/office/drawing/2010/main" val="0"/>
@@ -3679,8 +3607,8 @@
         </p:nvSpPr>
         <p:spPr>
           <a:xfrm>
-            <a:off x="3552580" y="1678571"/>
-            <a:ext cx="1554042" cy="261610"/>
+            <a:off x="4469245" y="1915663"/>
+            <a:ext cx="1837001" cy="584775"/>
           </a:xfrm>
           <a:prstGeom prst="rect">
             <a:avLst/>
@@ -3694,8 +3622,15 @@
           <a:lstStyle/>
           <a:p>
             <a:r>
-              <a:rPr lang="en-SG" sz="1100" dirty="0"/>
-              <a:t>Base terraform files </a:t>
+              <a:rPr lang="en-SG" sz="1600" b="1" dirty="0">
+                <a:solidFill>
+                  <a:schemeClr val="tx2">
+                    <a:lumMod val="75000"/>
+                    <a:lumOff val="25000"/>
+                  </a:schemeClr>
+                </a:solidFill>
+              </a:rPr>
+              <a:t>KYPO Base terraform files </a:t>
             </a:r>
           </a:p>
         </p:txBody>
@@ -3757,7 +3692,7 @@
           <p:nvPr/>
         </p:nvPicPr>
         <p:blipFill>
-          <a:blip r:embed="rId3">
+          <a:blip r:embed="rId2">
             <a:extLst>
               <a:ext uri="{28A0092B-C50C-407E-A947-70E740481C1C}">
                 <a14:useLocalDpi xmlns:a14="http://schemas.microsoft.com/office/drawing/2010/main" val="0"/>
@@ -3771,7 +3706,7 @@
         </p:blipFill>
         <p:spPr bwMode="auto">
           <a:xfrm>
-            <a:off x="6467310" y="1941104"/>
+            <a:off x="6440292" y="2000256"/>
             <a:ext cx="615094" cy="460727"/>
           </a:xfrm>
           <a:prstGeom prst="rect">
@@ -3810,7 +3745,7 @@
         </p:nvCxnSpPr>
         <p:spPr>
           <a:xfrm>
-            <a:off x="6789437" y="2401831"/>
+            <a:off x="6735648" y="2482968"/>
             <a:ext cx="0" cy="268786"/>
           </a:xfrm>
           <a:prstGeom prst="straightConnector1">
@@ -3850,8 +3785,8 @@
         </p:nvSpPr>
         <p:spPr>
           <a:xfrm>
-            <a:off x="6250484" y="1686325"/>
-            <a:ext cx="1554042" cy="261610"/>
+            <a:off x="7129977" y="1915662"/>
+            <a:ext cx="1631839" cy="584775"/>
           </a:xfrm>
           <a:prstGeom prst="rect">
             <a:avLst/>
@@ -3865,70 +3800,35 @@
           <a:lstStyle/>
           <a:p>
             <a:r>
-              <a:rPr lang="en-SG" sz="1100" dirty="0"/>
-              <a:t>Head terraform files </a:t>
-            </a:r>
-          </a:p>
-        </p:txBody>
-      </p:sp>
-      <p:cxnSp>
-        <p:nvCxnSpPr>
-          <p:cNvPr id="16" name="Straight Arrow Connector 15">
-            <a:extLst>
-              <a:ext uri="{FF2B5EF4-FFF2-40B4-BE49-F238E27FC236}">
-                <a16:creationId xmlns:a16="http://schemas.microsoft.com/office/drawing/2014/main" id="{859719E8-BC4C-B9EE-E4BB-50661887596B}"/>
-              </a:ext>
-            </a:extLst>
-          </p:cNvPr>
-          <p:cNvCxnSpPr>
-            <a:cxnSpLocks/>
-          </p:cNvCxnSpPr>
+              <a:rPr lang="en-SG" sz="1600" b="1" dirty="0">
+                <a:solidFill>
+                  <a:schemeClr val="tx2">
+                    <a:lumMod val="75000"/>
+                    <a:lumOff val="25000"/>
+                  </a:schemeClr>
+                </a:solidFill>
+              </a:rPr>
+              <a:t>KYPO Head terraform files </a:t>
+            </a:r>
+          </a:p>
+        </p:txBody>
+      </p:sp>
+      <p:sp>
+        <p:nvSpPr>
+          <p:cNvPr id="17" name="Rectangle 16">
+            <a:extLst>
+              <a:ext uri="{FF2B5EF4-FFF2-40B4-BE49-F238E27FC236}">
+                <a16:creationId xmlns:a16="http://schemas.microsoft.com/office/drawing/2014/main" id="{987B7FA0-E8AB-C54A-52AA-4E320A3A0F0C}"/>
+              </a:ext>
+            </a:extLst>
+          </p:cNvPr>
+          <p:cNvSpPr/>
           <p:nvPr/>
-        </p:nvCxnSpPr>
+        </p:nvSpPr>
         <p:spPr>
           <a:xfrm>
-            <a:off x="8357661" y="3162498"/>
-            <a:ext cx="776918" cy="0"/>
-          </a:xfrm>
-          <a:prstGeom prst="straightConnector1">
-            <a:avLst/>
-          </a:prstGeom>
-          <a:ln w="19050">
-            <a:prstDash val="sysDash"/>
-            <a:tailEnd type="triangle"/>
-          </a:ln>
-        </p:spPr>
-        <p:style>
-          <a:lnRef idx="1">
-            <a:schemeClr val="accent1"/>
-          </a:lnRef>
-          <a:fillRef idx="0">
-            <a:schemeClr val="accent1"/>
-          </a:fillRef>
-          <a:effectRef idx="0">
-            <a:schemeClr val="accent1"/>
-          </a:effectRef>
-          <a:fontRef idx="minor">
-            <a:schemeClr val="tx1"/>
-          </a:fontRef>
-        </p:style>
-      </p:cxnSp>
-      <p:sp>
-        <p:nvSpPr>
-          <p:cNvPr id="17" name="Rectangle 16">
-            <a:extLst>
-              <a:ext uri="{FF2B5EF4-FFF2-40B4-BE49-F238E27FC236}">
-                <a16:creationId xmlns:a16="http://schemas.microsoft.com/office/drawing/2014/main" id="{987B7FA0-E8AB-C54A-52AA-4E320A3A0F0C}"/>
-              </a:ext>
-            </a:extLst>
-          </p:cNvPr>
-          <p:cNvSpPr/>
-          <p:nvPr/>
-        </p:nvSpPr>
-        <p:spPr>
-          <a:xfrm>
-            <a:off x="9162109" y="2664688"/>
-            <a:ext cx="1969678" cy="995619"/>
+            <a:off x="9023599" y="2721960"/>
+            <a:ext cx="2263623" cy="995619"/>
           </a:xfrm>
           <a:prstGeom prst="rect">
             <a:avLst/>
@@ -3957,8 +3857,388 @@
           <a:p>
             <a:r>
               <a:rPr lang="en-SG" b="1" dirty="0"/>
-              <a:t>Finish kypo-K8s cluster and dashboard config</a:t>
-            </a:r>
+              <a:t>Step 4: Finish kypo-K8s cluster and dashboard config</a:t>
+            </a:r>
+          </a:p>
+        </p:txBody>
+      </p:sp>
+      <p:pic>
+        <p:nvPicPr>
+          <p:cNvPr id="3" name="Picture 2">
+            <a:extLst>
+              <a:ext uri="{FF2B5EF4-FFF2-40B4-BE49-F238E27FC236}">
+                <a16:creationId xmlns:a16="http://schemas.microsoft.com/office/drawing/2014/main" id="{BFDBE9D3-8276-5CE2-E866-F5718F18CDA1}"/>
+              </a:ext>
+            </a:extLst>
+          </p:cNvPr>
+          <p:cNvPicPr>
+            <a:picLocks noChangeAspect="1"/>
+          </p:cNvPicPr>
+          <p:nvPr/>
+        </p:nvPicPr>
+        <p:blipFill>
+          <a:blip r:embed="rId3"/>
+          <a:stretch>
+            <a:fillRect/>
+          </a:stretch>
+        </p:blipFill>
+        <p:spPr>
+          <a:xfrm>
+            <a:off x="8720676" y="4066464"/>
+            <a:ext cx="2518779" cy="1066087"/>
+          </a:xfrm>
+          <a:prstGeom prst="rect">
+            <a:avLst/>
+          </a:prstGeom>
+        </p:spPr>
+      </p:pic>
+      <p:pic>
+        <p:nvPicPr>
+          <p:cNvPr id="19" name="Picture 18">
+            <a:extLst>
+              <a:ext uri="{FF2B5EF4-FFF2-40B4-BE49-F238E27FC236}">
+                <a16:creationId xmlns:a16="http://schemas.microsoft.com/office/drawing/2014/main" id="{99311AB7-DF70-E34D-DD22-DD37FF444B1F}"/>
+              </a:ext>
+            </a:extLst>
+          </p:cNvPr>
+          <p:cNvPicPr>
+            <a:picLocks noChangeAspect="1"/>
+          </p:cNvPicPr>
+          <p:nvPr/>
+        </p:nvPicPr>
+        <p:blipFill>
+          <a:blip r:embed="rId4"/>
+          <a:stretch>
+            <a:fillRect/>
+          </a:stretch>
+        </p:blipFill>
+        <p:spPr>
+          <a:xfrm>
+            <a:off x="870919" y="4118284"/>
+            <a:ext cx="1841849" cy="997496"/>
+          </a:xfrm>
+          <a:prstGeom prst="rect">
+            <a:avLst/>
+          </a:prstGeom>
+          <a:ln w="19050">
+            <a:solidFill>
+              <a:schemeClr val="tx1"/>
+            </a:solidFill>
+          </a:ln>
+        </p:spPr>
+      </p:pic>
+      <p:sp>
+        <p:nvSpPr>
+          <p:cNvPr id="20" name="Arrow: Up 19">
+            <a:extLst>
+              <a:ext uri="{FF2B5EF4-FFF2-40B4-BE49-F238E27FC236}">
+                <a16:creationId xmlns:a16="http://schemas.microsoft.com/office/drawing/2014/main" id="{2CB96922-27E2-4432-3837-2989E2773476}"/>
+              </a:ext>
+            </a:extLst>
+          </p:cNvPr>
+          <p:cNvSpPr/>
+          <p:nvPr/>
+        </p:nvSpPr>
+        <p:spPr>
+          <a:xfrm>
+            <a:off x="1613647" y="3818964"/>
+            <a:ext cx="158450" cy="247500"/>
+          </a:xfrm>
+          <a:prstGeom prst="upArrow">
+            <a:avLst/>
+          </a:prstGeom>
+        </p:spPr>
+        <p:style>
+          <a:lnRef idx="2">
+            <a:schemeClr val="accent1">
+              <a:shade val="15000"/>
+            </a:schemeClr>
+          </a:lnRef>
+          <a:fillRef idx="1">
+            <a:schemeClr val="accent1"/>
+          </a:fillRef>
+          <a:effectRef idx="0">
+            <a:schemeClr val="accent1"/>
+          </a:effectRef>
+          <a:fontRef idx="minor">
+            <a:schemeClr val="lt1"/>
+          </a:fontRef>
+        </p:style>
+        <p:txBody>
+          <a:bodyPr rtlCol="0" anchor="ctr"/>
+          <a:lstStyle/>
+          <a:p>
+            <a:pPr algn="ctr"/>
+            <a:endParaRPr lang="en-SG"/>
+          </a:p>
+        </p:txBody>
+      </p:sp>
+      <p:pic>
+        <p:nvPicPr>
+          <p:cNvPr id="5" name="Picture 4">
+            <a:extLst>
+              <a:ext uri="{FF2B5EF4-FFF2-40B4-BE49-F238E27FC236}">
+                <a16:creationId xmlns:a16="http://schemas.microsoft.com/office/drawing/2014/main" id="{9790DBF2-B3E5-2FC9-9C75-92B42D05ACE7}"/>
+              </a:ext>
+            </a:extLst>
+          </p:cNvPr>
+          <p:cNvPicPr>
+            <a:picLocks noChangeAspect="1"/>
+          </p:cNvPicPr>
+          <p:nvPr/>
+        </p:nvPicPr>
+        <p:blipFill>
+          <a:blip r:embed="rId5"/>
+          <a:stretch>
+            <a:fillRect/>
+          </a:stretch>
+        </p:blipFill>
+        <p:spPr>
+          <a:xfrm>
+            <a:off x="8480121" y="4002203"/>
+            <a:ext cx="481111" cy="415024"/>
+          </a:xfrm>
+          <a:prstGeom prst="rect">
+            <a:avLst/>
+          </a:prstGeom>
+          <a:ln w="9525">
+            <a:solidFill>
+              <a:schemeClr val="tx1"/>
+            </a:solidFill>
+          </a:ln>
+        </p:spPr>
+      </p:pic>
+      <p:sp>
+        <p:nvSpPr>
+          <p:cNvPr id="24" name="Arrow: Right 23">
+            <a:extLst>
+              <a:ext uri="{FF2B5EF4-FFF2-40B4-BE49-F238E27FC236}">
+                <a16:creationId xmlns:a16="http://schemas.microsoft.com/office/drawing/2014/main" id="{BCF97263-1E66-EC51-931F-B3DE6C471D0A}"/>
+              </a:ext>
+            </a:extLst>
+          </p:cNvPr>
+          <p:cNvSpPr/>
+          <p:nvPr/>
+        </p:nvSpPr>
+        <p:spPr>
+          <a:xfrm>
+            <a:off x="3024754" y="3162497"/>
+            <a:ext cx="288601" cy="172369"/>
+          </a:xfrm>
+          <a:prstGeom prst="rightArrow">
+            <a:avLst/>
+          </a:prstGeom>
+        </p:spPr>
+        <p:style>
+          <a:lnRef idx="2">
+            <a:schemeClr val="accent1">
+              <a:shade val="15000"/>
+            </a:schemeClr>
+          </a:lnRef>
+          <a:fillRef idx="1">
+            <a:schemeClr val="accent1"/>
+          </a:fillRef>
+          <a:effectRef idx="0">
+            <a:schemeClr val="accent1"/>
+          </a:effectRef>
+          <a:fontRef idx="minor">
+            <a:schemeClr val="lt1"/>
+          </a:fontRef>
+        </p:style>
+        <p:txBody>
+          <a:bodyPr rtlCol="0" anchor="ctr"/>
+          <a:lstStyle/>
+          <a:p>
+            <a:pPr algn="ctr"/>
+            <a:endParaRPr lang="en-SG"/>
+          </a:p>
+        </p:txBody>
+      </p:sp>
+      <p:sp>
+        <p:nvSpPr>
+          <p:cNvPr id="25" name="Arrow: Right 24">
+            <a:extLst>
+              <a:ext uri="{FF2B5EF4-FFF2-40B4-BE49-F238E27FC236}">
+                <a16:creationId xmlns:a16="http://schemas.microsoft.com/office/drawing/2014/main" id="{449DC495-777B-8C4F-A8F6-DA2E56F26A09}"/>
+              </a:ext>
+            </a:extLst>
+          </p:cNvPr>
+          <p:cNvSpPr/>
+          <p:nvPr/>
+        </p:nvSpPr>
+        <p:spPr>
+          <a:xfrm>
+            <a:off x="5830701" y="3133586"/>
+            <a:ext cx="288601" cy="172369"/>
+          </a:xfrm>
+          <a:prstGeom prst="rightArrow">
+            <a:avLst/>
+          </a:prstGeom>
+        </p:spPr>
+        <p:style>
+          <a:lnRef idx="2">
+            <a:schemeClr val="accent1">
+              <a:shade val="15000"/>
+            </a:schemeClr>
+          </a:lnRef>
+          <a:fillRef idx="1">
+            <a:schemeClr val="accent1"/>
+          </a:fillRef>
+          <a:effectRef idx="0">
+            <a:schemeClr val="accent1"/>
+          </a:effectRef>
+          <a:fontRef idx="minor">
+            <a:schemeClr val="lt1"/>
+          </a:fontRef>
+        </p:style>
+        <p:txBody>
+          <a:bodyPr rtlCol="0" anchor="ctr"/>
+          <a:lstStyle/>
+          <a:p>
+            <a:pPr algn="ctr"/>
+            <a:endParaRPr lang="en-SG"/>
+          </a:p>
+        </p:txBody>
+      </p:sp>
+      <p:sp>
+        <p:nvSpPr>
+          <p:cNvPr id="26" name="Arrow: Right 25">
+            <a:extLst>
+              <a:ext uri="{FF2B5EF4-FFF2-40B4-BE49-F238E27FC236}">
+                <a16:creationId xmlns:a16="http://schemas.microsoft.com/office/drawing/2014/main" id="{5CE680F5-249E-A5EF-291B-9A61F54153D5}"/>
+              </a:ext>
+            </a:extLst>
+          </p:cNvPr>
+          <p:cNvSpPr/>
+          <p:nvPr/>
+        </p:nvSpPr>
+        <p:spPr>
+          <a:xfrm>
+            <a:off x="8617515" y="3151913"/>
+            <a:ext cx="288601" cy="172369"/>
+          </a:xfrm>
+          <a:prstGeom prst="rightArrow">
+            <a:avLst/>
+          </a:prstGeom>
+        </p:spPr>
+        <p:style>
+          <a:lnRef idx="2">
+            <a:schemeClr val="accent1">
+              <a:shade val="15000"/>
+            </a:schemeClr>
+          </a:lnRef>
+          <a:fillRef idx="1">
+            <a:schemeClr val="accent1"/>
+          </a:fillRef>
+          <a:effectRef idx="0">
+            <a:schemeClr val="accent1"/>
+          </a:effectRef>
+          <a:fontRef idx="minor">
+            <a:schemeClr val="lt1"/>
+          </a:fontRef>
+        </p:style>
+        <p:txBody>
+          <a:bodyPr rtlCol="0" anchor="ctr"/>
+          <a:lstStyle/>
+          <a:p>
+            <a:pPr algn="ctr"/>
+            <a:endParaRPr lang="en-SG"/>
+          </a:p>
+        </p:txBody>
+      </p:sp>
+      <p:sp>
+        <p:nvSpPr>
+          <p:cNvPr id="27" name="Arrow: Down 26">
+            <a:extLst>
+              <a:ext uri="{FF2B5EF4-FFF2-40B4-BE49-F238E27FC236}">
+                <a16:creationId xmlns:a16="http://schemas.microsoft.com/office/drawing/2014/main" id="{D304D1FD-8058-A02B-77BD-79DFB3EBED13}"/>
+              </a:ext>
+            </a:extLst>
+          </p:cNvPr>
+          <p:cNvSpPr/>
+          <p:nvPr/>
+        </p:nvSpPr>
+        <p:spPr>
+          <a:xfrm>
+            <a:off x="9800216" y="3818964"/>
+            <a:ext cx="158450" cy="183239"/>
+          </a:xfrm>
+          <a:prstGeom prst="downArrow">
+            <a:avLst/>
+          </a:prstGeom>
+        </p:spPr>
+        <p:style>
+          <a:lnRef idx="2">
+            <a:schemeClr val="accent1">
+              <a:shade val="15000"/>
+            </a:schemeClr>
+          </a:lnRef>
+          <a:fillRef idx="1">
+            <a:schemeClr val="accent1"/>
+          </a:fillRef>
+          <a:effectRef idx="0">
+            <a:schemeClr val="accent1"/>
+          </a:effectRef>
+          <a:fontRef idx="minor">
+            <a:schemeClr val="lt1"/>
+          </a:fontRef>
+        </p:style>
+        <p:txBody>
+          <a:bodyPr rtlCol="0" anchor="ctr"/>
+          <a:lstStyle/>
+          <a:p>
+            <a:pPr algn="ctr"/>
+            <a:endParaRPr lang="en-SG"/>
+          </a:p>
+        </p:txBody>
+      </p:sp>
+      <p:sp>
+        <p:nvSpPr>
+          <p:cNvPr id="28" name="TextBox 27">
+            <a:extLst>
+              <a:ext uri="{FF2B5EF4-FFF2-40B4-BE49-F238E27FC236}">
+                <a16:creationId xmlns:a16="http://schemas.microsoft.com/office/drawing/2014/main" id="{A1D7F766-B368-CF88-B3CA-EDB1F635D7EC}"/>
+              </a:ext>
+            </a:extLst>
+          </p:cNvPr>
+          <p:cNvSpPr txBox="1"/>
+          <p:nvPr/>
+        </p:nvSpPr>
+        <p:spPr>
+          <a:xfrm>
+            <a:off x="4226443" y="4261148"/>
+            <a:ext cx="3153499" cy="369332"/>
+          </a:xfrm>
+          <a:prstGeom prst="rect">
+            <a:avLst/>
+          </a:prstGeom>
+          <a:noFill/>
+        </p:spPr>
+        <p:txBody>
+          <a:bodyPr wrap="square" rtlCol="0">
+            <a:spAutoFit/>
+          </a:bodyPr>
+          <a:lstStyle/>
+          <a:p>
+            <a:r>
+              <a:rPr lang="en-US" b="1" dirty="0">
+                <a:solidFill>
+                  <a:schemeClr val="tx2">
+                    <a:lumMod val="75000"/>
+                    <a:lumOff val="25000"/>
+                  </a:schemeClr>
+                </a:solidFill>
+              </a:rPr>
+              <a:t>Deploy KYPO on OpenStack</a:t>
+            </a:r>
+            <a:endParaRPr lang="en-SG" b="1" dirty="0">
+              <a:solidFill>
+                <a:schemeClr val="tx2">
+                  <a:lumMod val="75000"/>
+                  <a:lumOff val="25000"/>
+                </a:schemeClr>
+              </a:solidFill>
+            </a:endParaRPr>
           </a:p>
         </p:txBody>
       </p:sp>

--- a/IT_System_Attack_Case_Study/Kypo_on_OpenStack_Deployment/img/designDoc.pptx
+++ b/IT_System_Attack_Case_Study/Kypo_on_OpenStack_Deployment/img/designDoc.pptx
@@ -6,6 +6,7 @@
   </p:sldMasterIdLst>
   <p:sldIdLst>
     <p:sldId id="256" r:id="rId2"/>
+    <p:sldId id="257" r:id="rId3"/>
   </p:sldIdLst>
   <p:sldSz cx="12192000" cy="6858000"/>
   <p:notesSz cx="6858000" cy="9144000"/>
@@ -261,7 +262,7 @@
           <a:p>
             <a:fld id="{4FE1AEF0-BFB1-40F4-A5E6-B4BE23E5F87D}" type="datetimeFigureOut">
               <a:rPr lang="en-SG" smtClean="0"/>
-              <a:t>18/7/2025</a:t>
+              <a:t>19/7/2025</a:t>
             </a:fld>
             <a:endParaRPr lang="en-SG"/>
           </a:p>
@@ -461,7 +462,7 @@
           <a:p>
             <a:fld id="{4FE1AEF0-BFB1-40F4-A5E6-B4BE23E5F87D}" type="datetimeFigureOut">
               <a:rPr lang="en-SG" smtClean="0"/>
-              <a:t>18/7/2025</a:t>
+              <a:t>19/7/2025</a:t>
             </a:fld>
             <a:endParaRPr lang="en-SG"/>
           </a:p>
@@ -671,7 +672,7 @@
           <a:p>
             <a:fld id="{4FE1AEF0-BFB1-40F4-A5E6-B4BE23E5F87D}" type="datetimeFigureOut">
               <a:rPr lang="en-SG" smtClean="0"/>
-              <a:t>18/7/2025</a:t>
+              <a:t>19/7/2025</a:t>
             </a:fld>
             <a:endParaRPr lang="en-SG"/>
           </a:p>
@@ -871,7 +872,7 @@
           <a:p>
             <a:fld id="{4FE1AEF0-BFB1-40F4-A5E6-B4BE23E5F87D}" type="datetimeFigureOut">
               <a:rPr lang="en-SG" smtClean="0"/>
-              <a:t>18/7/2025</a:t>
+              <a:t>19/7/2025</a:t>
             </a:fld>
             <a:endParaRPr lang="en-SG"/>
           </a:p>
@@ -1147,7 +1148,7 @@
           <a:p>
             <a:fld id="{4FE1AEF0-BFB1-40F4-A5E6-B4BE23E5F87D}" type="datetimeFigureOut">
               <a:rPr lang="en-SG" smtClean="0"/>
-              <a:t>18/7/2025</a:t>
+              <a:t>19/7/2025</a:t>
             </a:fld>
             <a:endParaRPr lang="en-SG"/>
           </a:p>
@@ -1415,7 +1416,7 @@
           <a:p>
             <a:fld id="{4FE1AEF0-BFB1-40F4-A5E6-B4BE23E5F87D}" type="datetimeFigureOut">
               <a:rPr lang="en-SG" smtClean="0"/>
-              <a:t>18/7/2025</a:t>
+              <a:t>19/7/2025</a:t>
             </a:fld>
             <a:endParaRPr lang="en-SG"/>
           </a:p>
@@ -1830,7 +1831,7 @@
           <a:p>
             <a:fld id="{4FE1AEF0-BFB1-40F4-A5E6-B4BE23E5F87D}" type="datetimeFigureOut">
               <a:rPr lang="en-SG" smtClean="0"/>
-              <a:t>18/7/2025</a:t>
+              <a:t>19/7/2025</a:t>
             </a:fld>
             <a:endParaRPr lang="en-SG"/>
           </a:p>
@@ -1972,7 +1973,7 @@
           <a:p>
             <a:fld id="{4FE1AEF0-BFB1-40F4-A5E6-B4BE23E5F87D}" type="datetimeFigureOut">
               <a:rPr lang="en-SG" smtClean="0"/>
-              <a:t>18/7/2025</a:t>
+              <a:t>19/7/2025</a:t>
             </a:fld>
             <a:endParaRPr lang="en-SG"/>
           </a:p>
@@ -2085,7 +2086,7 @@
           <a:p>
             <a:fld id="{4FE1AEF0-BFB1-40F4-A5E6-B4BE23E5F87D}" type="datetimeFigureOut">
               <a:rPr lang="en-SG" smtClean="0"/>
-              <a:t>18/7/2025</a:t>
+              <a:t>19/7/2025</a:t>
             </a:fld>
             <a:endParaRPr lang="en-SG"/>
           </a:p>
@@ -2398,7 +2399,7 @@
           <a:p>
             <a:fld id="{4FE1AEF0-BFB1-40F4-A5E6-B4BE23E5F87D}" type="datetimeFigureOut">
               <a:rPr lang="en-SG" smtClean="0"/>
-              <a:t>18/7/2025</a:t>
+              <a:t>19/7/2025</a:t>
             </a:fld>
             <a:endParaRPr lang="en-SG"/>
           </a:p>
@@ -2687,7 +2688,7 @@
           <a:p>
             <a:fld id="{4FE1AEF0-BFB1-40F4-A5E6-B4BE23E5F87D}" type="datetimeFigureOut">
               <a:rPr lang="en-SG" smtClean="0"/>
-              <a:t>18/7/2025</a:t>
+              <a:t>19/7/2025</a:t>
             </a:fld>
             <a:endParaRPr lang="en-SG"/>
           </a:p>
@@ -2930,7 +2931,7 @@
           <a:p>
             <a:fld id="{4FE1AEF0-BFB1-40F4-A5E6-B4BE23E5F87D}" type="datetimeFigureOut">
               <a:rPr lang="en-SG" smtClean="0"/>
-              <a:t>18/7/2025</a:t>
+              <a:t>19/7/2025</a:t>
             </a:fld>
             <a:endParaRPr lang="en-SG"/>
           </a:p>
@@ -3349,10 +3350,10 @@
       </p:grpSpPr>
       <p:sp>
         <p:nvSpPr>
-          <p:cNvPr id="4" name="Rectangle 3">
-            <a:extLst>
-              <a:ext uri="{FF2B5EF4-FFF2-40B4-BE49-F238E27FC236}">
-                <a16:creationId xmlns:a16="http://schemas.microsoft.com/office/drawing/2014/main" id="{6BF3FC40-331F-4B12-8135-368272A623E1}"/>
+          <p:cNvPr id="41" name="Rectangle 40">
+            <a:extLst>
+              <a:ext uri="{FF2B5EF4-FFF2-40B4-BE49-F238E27FC236}">
+                <a16:creationId xmlns:a16="http://schemas.microsoft.com/office/drawing/2014/main" id="{B8B2624A-950E-79B7-8AF9-1F1B2E9DF0A7}"/>
               </a:ext>
             </a:extLst>
           </p:cNvPr>
@@ -3361,8 +3362,60 @@
         </p:nvSpPr>
         <p:spPr>
           <a:xfrm>
-            <a:off x="870918" y="2751754"/>
-            <a:ext cx="2055159" cy="995621"/>
+            <a:off x="545054" y="355002"/>
+            <a:ext cx="11101892" cy="5744584"/>
+          </a:xfrm>
+          <a:prstGeom prst="rect">
+            <a:avLst/>
+          </a:prstGeom>
+          <a:solidFill>
+            <a:schemeClr val="accent2">
+              <a:lumMod val="40000"/>
+              <a:lumOff val="60000"/>
+            </a:schemeClr>
+          </a:solidFill>
+        </p:spPr>
+        <p:style>
+          <a:lnRef idx="2">
+            <a:schemeClr val="accent1">
+              <a:shade val="15000"/>
+            </a:schemeClr>
+          </a:lnRef>
+          <a:fillRef idx="1">
+            <a:schemeClr val="accent1"/>
+          </a:fillRef>
+          <a:effectRef idx="0">
+            <a:schemeClr val="accent1"/>
+          </a:effectRef>
+          <a:fontRef idx="minor">
+            <a:schemeClr val="lt1"/>
+          </a:fontRef>
+        </p:style>
+        <p:txBody>
+          <a:bodyPr rtlCol="0" anchor="ctr"/>
+          <a:lstStyle/>
+          <a:p>
+            <a:pPr algn="ctr"/>
+            <a:endParaRPr lang="en-SG" dirty="0"/>
+          </a:p>
+        </p:txBody>
+      </p:sp>
+      <p:sp>
+        <p:nvSpPr>
+          <p:cNvPr id="4" name="Rectangle 3">
+            <a:extLst>
+              <a:ext uri="{FF2B5EF4-FFF2-40B4-BE49-F238E27FC236}">
+                <a16:creationId xmlns:a16="http://schemas.microsoft.com/office/drawing/2014/main" id="{6BF3FC40-331F-4B12-8135-368272A623E1}"/>
+              </a:ext>
+            </a:extLst>
+          </p:cNvPr>
+          <p:cNvSpPr/>
+          <p:nvPr/>
+        </p:nvSpPr>
+        <p:spPr>
+          <a:xfrm>
+            <a:off x="873250" y="2429500"/>
+            <a:ext cx="2261641" cy="584775"/>
           </a:xfrm>
           <a:prstGeom prst="rect">
             <a:avLst/>
@@ -3390,8 +3443,8 @@
           <a:lstStyle/>
           <a:p>
             <a:r>
-              <a:rPr lang="en-SG" b="1" dirty="0"/>
-              <a:t>Step1: Pre-config all the OpenStack settings</a:t>
+              <a:rPr lang="en-SG" sz="1400" b="1" dirty="0"/>
+              <a:t>Pre-config all the OpenStack settings</a:t>
             </a:r>
           </a:p>
         </p:txBody>
@@ -3410,8 +3463,8 @@
         </p:nvSpPr>
         <p:spPr>
           <a:xfrm>
-            <a:off x="3437916" y="2751756"/>
-            <a:ext cx="2263631" cy="995619"/>
+            <a:off x="871264" y="3322498"/>
+            <a:ext cx="2236537" cy="584773"/>
           </a:xfrm>
           <a:prstGeom prst="rect">
             <a:avLst/>
@@ -3439,58 +3492,16 @@
           <a:lstStyle/>
           <a:p>
             <a:r>
-              <a:rPr lang="en-US" b="1" dirty="0"/>
-              <a:t>Step 2: Deployment of OpenStack base resources</a:t>
-            </a:r>
-            <a:r>
-              <a:rPr lang="en-SG" b="1" dirty="0"/>
+              <a:rPr lang="en-US" sz="1400" b="1" dirty="0"/>
+              <a:t>Deploy OpenStack base resources</a:t>
+            </a:r>
+            <a:r>
+              <a:rPr lang="en-SG" sz="1400" b="1" dirty="0"/>
               <a:t>  </a:t>
             </a:r>
           </a:p>
         </p:txBody>
       </p:sp>
-      <p:cxnSp>
-        <p:nvCxnSpPr>
-          <p:cNvPr id="7" name="Straight Arrow Connector 6">
-            <a:extLst>
-              <a:ext uri="{FF2B5EF4-FFF2-40B4-BE49-F238E27FC236}">
-                <a16:creationId xmlns:a16="http://schemas.microsoft.com/office/drawing/2014/main" id="{A1B35B1D-C1F8-F733-FCF1-7258EFADB33D}"/>
-              </a:ext>
-            </a:extLst>
-          </p:cNvPr>
-          <p:cNvCxnSpPr>
-            <a:cxnSpLocks/>
-          </p:cNvCxnSpPr>
-          <p:nvPr/>
-        </p:nvCxnSpPr>
-        <p:spPr>
-          <a:xfrm>
-            <a:off x="2840019" y="4672055"/>
-            <a:ext cx="5686964" cy="0"/>
-          </a:xfrm>
-          <a:prstGeom prst="straightConnector1">
-            <a:avLst/>
-          </a:prstGeom>
-          <a:ln w="19050">
-            <a:prstDash val="sysDash"/>
-            <a:tailEnd type="triangle"/>
-          </a:ln>
-        </p:spPr>
-        <p:style>
-          <a:lnRef idx="1">
-            <a:schemeClr val="accent1"/>
-          </a:lnRef>
-          <a:fillRef idx="0">
-            <a:schemeClr val="accent1"/>
-          </a:fillRef>
-          <a:effectRef idx="0">
-            <a:schemeClr val="accent1"/>
-          </a:effectRef>
-          <a:fontRef idx="minor">
-            <a:schemeClr val="tx1"/>
-          </a:fontRef>
-        </p:style>
-      </p:cxnSp>
       <p:sp>
         <p:nvSpPr>
           <p:cNvPr id="8" name="Rectangle 7">
@@ -3505,8 +3516,8 @@
         </p:nvSpPr>
         <p:spPr>
           <a:xfrm>
-            <a:off x="6248129" y="2754236"/>
-            <a:ext cx="2263627" cy="995619"/>
+            <a:off x="871264" y="4225740"/>
+            <a:ext cx="2263627" cy="584774"/>
           </a:xfrm>
           <a:prstGeom prst="rect">
             <a:avLst/>
@@ -3534,10 +3545,10 @@
           <a:lstStyle/>
           <a:p>
             <a:r>
-              <a:rPr lang="en-US" b="1" dirty="0"/>
-              <a:t>Step 3: Deployment of KYPO-CRP Helm application</a:t>
-            </a:r>
-            <a:endParaRPr lang="en-SG" b="1" dirty="0"/>
+              <a:rPr lang="en-US" sz="1400" b="1" dirty="0"/>
+              <a:t>Deploy KYPO-CRP Helm application</a:t>
+            </a:r>
+            <a:endParaRPr lang="en-SG" sz="1400" b="1" dirty="0"/>
           </a:p>
         </p:txBody>
       </p:sp>
@@ -3570,7 +3581,7 @@
         </p:blipFill>
         <p:spPr bwMode="auto">
           <a:xfrm>
-            <a:off x="3801672" y="2015183"/>
+            <a:off x="3674766" y="2324975"/>
             <a:ext cx="615094" cy="460727"/>
           </a:xfrm>
           <a:prstGeom prst="rect">
@@ -3607,7 +3618,7 @@
         </p:nvSpPr>
         <p:spPr>
           <a:xfrm>
-            <a:off x="4469245" y="1915663"/>
+            <a:off x="4342339" y="2225455"/>
             <a:ext cx="1837001" cy="584775"/>
           </a:xfrm>
           <a:prstGeom prst="rect">
@@ -3651,7 +3662,7 @@
         </p:nvCxnSpPr>
         <p:spPr>
           <a:xfrm>
-            <a:off x="4103850" y="2482968"/>
+            <a:off x="3976944" y="2792760"/>
             <a:ext cx="0" cy="268786"/>
           </a:xfrm>
           <a:prstGeom prst="straightConnector1">
@@ -3706,7 +3717,7 @@
         </p:blipFill>
         <p:spPr bwMode="auto">
           <a:xfrm>
-            <a:off x="6440292" y="2000256"/>
+            <a:off x="6313386" y="2310048"/>
             <a:ext cx="615094" cy="460727"/>
           </a:xfrm>
           <a:prstGeom prst="rect">
@@ -3745,7 +3756,7 @@
         </p:nvCxnSpPr>
         <p:spPr>
           <a:xfrm>
-            <a:off x="6735648" y="2482968"/>
+            <a:off x="6608742" y="2792760"/>
             <a:ext cx="0" cy="268786"/>
           </a:xfrm>
           <a:prstGeom prst="straightConnector1">
@@ -3773,48 +3784,6 @@
       </p:cxnSp>
       <p:sp>
         <p:nvSpPr>
-          <p:cNvPr id="15" name="TextBox 14">
-            <a:extLst>
-              <a:ext uri="{FF2B5EF4-FFF2-40B4-BE49-F238E27FC236}">
-                <a16:creationId xmlns:a16="http://schemas.microsoft.com/office/drawing/2014/main" id="{A72BF132-D193-ECC7-7FA2-2639D608C379}"/>
-              </a:ext>
-            </a:extLst>
-          </p:cNvPr>
-          <p:cNvSpPr txBox="1"/>
-          <p:nvPr/>
-        </p:nvSpPr>
-        <p:spPr>
-          <a:xfrm>
-            <a:off x="7129977" y="1915662"/>
-            <a:ext cx="1631839" cy="584775"/>
-          </a:xfrm>
-          <a:prstGeom prst="rect">
-            <a:avLst/>
-          </a:prstGeom>
-          <a:noFill/>
-        </p:spPr>
-        <p:txBody>
-          <a:bodyPr wrap="square" rtlCol="0">
-            <a:spAutoFit/>
-          </a:bodyPr>
-          <a:lstStyle/>
-          <a:p>
-            <a:r>
-              <a:rPr lang="en-SG" sz="1600" b="1" dirty="0">
-                <a:solidFill>
-                  <a:schemeClr val="tx2">
-                    <a:lumMod val="75000"/>
-                    <a:lumOff val="25000"/>
-                  </a:schemeClr>
-                </a:solidFill>
-              </a:rPr>
-              <a:t>KYPO Head terraform files </a:t>
-            </a:r>
-          </a:p>
-        </p:txBody>
-      </p:sp>
-      <p:sp>
-        <p:nvSpPr>
           <p:cNvPr id="17" name="Rectangle 16">
             <a:extLst>
               <a:ext uri="{FF2B5EF4-FFF2-40B4-BE49-F238E27FC236}">
@@ -3827,8 +3796,8 @@
         </p:nvSpPr>
         <p:spPr>
           <a:xfrm>
-            <a:off x="9023599" y="2721960"/>
-            <a:ext cx="2263623" cy="995619"/>
+            <a:off x="844178" y="5128983"/>
+            <a:ext cx="2263623" cy="584773"/>
           </a:xfrm>
           <a:prstGeom prst="rect">
             <a:avLst/>
@@ -3856,18 +3825,18 @@
           <a:lstStyle/>
           <a:p>
             <a:r>
-              <a:rPr lang="en-SG" b="1" dirty="0"/>
-              <a:t>Step 4: Finish kypo-K8s cluster and dashboard config</a:t>
+              <a:rPr lang="en-SG" sz="1400" b="1" dirty="0"/>
+              <a:t>Finish Kypo-K8s cluster and dashboard config</a:t>
             </a:r>
           </a:p>
         </p:txBody>
       </p:sp>
       <p:pic>
         <p:nvPicPr>
-          <p:cNvPr id="3" name="Picture 2">
-            <a:extLst>
-              <a:ext uri="{FF2B5EF4-FFF2-40B4-BE49-F238E27FC236}">
-                <a16:creationId xmlns:a16="http://schemas.microsoft.com/office/drawing/2014/main" id="{BFDBE9D3-8276-5CE2-E866-F5718F18CDA1}"/>
+          <p:cNvPr id="19" name="Picture 18">
+            <a:extLst>
+              <a:ext uri="{FF2B5EF4-FFF2-40B4-BE49-F238E27FC236}">
+                <a16:creationId xmlns:a16="http://schemas.microsoft.com/office/drawing/2014/main" id="{99311AB7-DF70-E34D-DD22-DD37FF444B1F}"/>
               </a:ext>
             </a:extLst>
           </p:cNvPr>
@@ -3884,37 +3853,7 @@
         </p:blipFill>
         <p:spPr>
           <a:xfrm>
-            <a:off x="8720676" y="4066464"/>
-            <a:ext cx="2518779" cy="1066087"/>
-          </a:xfrm>
-          <a:prstGeom prst="rect">
-            <a:avLst/>
-          </a:prstGeom>
-        </p:spPr>
-      </p:pic>
-      <p:pic>
-        <p:nvPicPr>
-          <p:cNvPr id="19" name="Picture 18">
-            <a:extLst>
-              <a:ext uri="{FF2B5EF4-FFF2-40B4-BE49-F238E27FC236}">
-                <a16:creationId xmlns:a16="http://schemas.microsoft.com/office/drawing/2014/main" id="{99311AB7-DF70-E34D-DD22-DD37FF444B1F}"/>
-              </a:ext>
-            </a:extLst>
-          </p:cNvPr>
-          <p:cNvPicPr>
-            <a:picLocks noChangeAspect="1"/>
-          </p:cNvPicPr>
-          <p:nvPr/>
-        </p:nvPicPr>
-        <p:blipFill>
-          <a:blip r:embed="rId4"/>
-          <a:stretch>
-            <a:fillRect/>
-          </a:stretch>
-        </p:blipFill>
-        <p:spPr>
-          <a:xfrm>
-            <a:off x="870919" y="4118284"/>
+            <a:off x="871264" y="1227958"/>
             <a:ext cx="1841849" cy="997496"/>
           </a:xfrm>
           <a:prstGeom prst="rect">
@@ -3929,10 +3868,10 @@
       </p:pic>
       <p:sp>
         <p:nvSpPr>
-          <p:cNvPr id="20" name="Arrow: Up 19">
-            <a:extLst>
-              <a:ext uri="{FF2B5EF4-FFF2-40B4-BE49-F238E27FC236}">
-                <a16:creationId xmlns:a16="http://schemas.microsoft.com/office/drawing/2014/main" id="{2CB96922-27E2-4432-3837-2989E2773476}"/>
+          <p:cNvPr id="25" name="Arrow: Right 24">
+            <a:extLst>
+              <a:ext uri="{FF2B5EF4-FFF2-40B4-BE49-F238E27FC236}">
+                <a16:creationId xmlns:a16="http://schemas.microsoft.com/office/drawing/2014/main" id="{449DC495-777B-8C4F-A8F6-DA2E56F26A09}"/>
               </a:ext>
             </a:extLst>
           </p:cNvPr>
@@ -3941,10 +3880,10 @@
         </p:nvSpPr>
         <p:spPr>
           <a:xfrm>
-            <a:off x="1613647" y="3818964"/>
-            <a:ext cx="158450" cy="247500"/>
-          </a:xfrm>
-          <a:prstGeom prst="upArrow">
+            <a:off x="5703795" y="3443378"/>
+            <a:ext cx="288601" cy="172369"/>
+          </a:xfrm>
+          <a:prstGeom prst="rightArrow">
             <a:avLst/>
           </a:prstGeom>
         </p:spPr>
@@ -3973,47 +3912,12 @@
           </a:p>
         </p:txBody>
       </p:sp>
-      <p:pic>
-        <p:nvPicPr>
-          <p:cNvPr id="5" name="Picture 4">
-            <a:extLst>
-              <a:ext uri="{FF2B5EF4-FFF2-40B4-BE49-F238E27FC236}">
-                <a16:creationId xmlns:a16="http://schemas.microsoft.com/office/drawing/2014/main" id="{9790DBF2-B3E5-2FC9-9C75-92B42D05ACE7}"/>
-              </a:ext>
-            </a:extLst>
-          </p:cNvPr>
-          <p:cNvPicPr>
-            <a:picLocks noChangeAspect="1"/>
-          </p:cNvPicPr>
-          <p:nvPr/>
-        </p:nvPicPr>
-        <p:blipFill>
-          <a:blip r:embed="rId5"/>
-          <a:stretch>
-            <a:fillRect/>
-          </a:stretch>
-        </p:blipFill>
-        <p:spPr>
-          <a:xfrm>
-            <a:off x="8480121" y="4002203"/>
-            <a:ext cx="481111" cy="415024"/>
-          </a:xfrm>
-          <a:prstGeom prst="rect">
-            <a:avLst/>
-          </a:prstGeom>
-          <a:ln w="9525">
-            <a:solidFill>
-              <a:schemeClr val="tx1"/>
-            </a:solidFill>
-          </a:ln>
-        </p:spPr>
-      </p:pic>
-      <p:sp>
-        <p:nvSpPr>
-          <p:cNvPr id="24" name="Arrow: Right 23">
-            <a:extLst>
-              <a:ext uri="{FF2B5EF4-FFF2-40B4-BE49-F238E27FC236}">
-                <a16:creationId xmlns:a16="http://schemas.microsoft.com/office/drawing/2014/main" id="{BCF97263-1E66-EC51-931F-B3DE6C471D0A}"/>
+      <p:sp>
+        <p:nvSpPr>
+          <p:cNvPr id="27" name="Arrow: Down 26">
+            <a:extLst>
+              <a:ext uri="{FF2B5EF4-FFF2-40B4-BE49-F238E27FC236}">
+                <a16:creationId xmlns:a16="http://schemas.microsoft.com/office/drawing/2014/main" id="{D304D1FD-8058-A02B-77BD-79DFB3EBED13}"/>
               </a:ext>
             </a:extLst>
           </p:cNvPr>
@@ -4022,10 +3926,10 @@
         </p:nvSpPr>
         <p:spPr>
           <a:xfrm>
-            <a:off x="3024754" y="3162497"/>
-            <a:ext cx="288601" cy="172369"/>
-          </a:xfrm>
-          <a:prstGeom prst="rightArrow">
+            <a:off x="1712963" y="3087448"/>
+            <a:ext cx="158450" cy="183239"/>
+          </a:xfrm>
+          <a:prstGeom prst="downArrow">
             <a:avLst/>
           </a:prstGeom>
         </p:spPr>
@@ -4054,12 +3958,83 @@
           </a:p>
         </p:txBody>
       </p:sp>
-      <p:sp>
-        <p:nvSpPr>
-          <p:cNvPr id="25" name="Arrow: Right 24">
-            <a:extLst>
-              <a:ext uri="{FF2B5EF4-FFF2-40B4-BE49-F238E27FC236}">
-                <a16:creationId xmlns:a16="http://schemas.microsoft.com/office/drawing/2014/main" id="{449DC495-777B-8C4F-A8F6-DA2E56F26A09}"/>
+      <p:pic>
+        <p:nvPicPr>
+          <p:cNvPr id="9" name="Picture 8" descr="A diagram of a software system&#10;&#10;AI-generated content may be incorrect.">
+            <a:extLst>
+              <a:ext uri="{FF2B5EF4-FFF2-40B4-BE49-F238E27FC236}">
+                <a16:creationId xmlns:a16="http://schemas.microsoft.com/office/drawing/2014/main" id="{C4C845B4-84D0-97DE-8FE0-C72AD4CDF875}"/>
+              </a:ext>
+            </a:extLst>
+          </p:cNvPr>
+          <p:cNvPicPr>
+            <a:picLocks noChangeAspect="1"/>
+          </p:cNvPicPr>
+          <p:nvPr/>
+        </p:nvPicPr>
+        <p:blipFill>
+          <a:blip r:embed="rId4">
+            <a:extLst>
+              <a:ext uri="{28A0092B-C50C-407E-A947-70E740481C1C}">
+                <a14:useLocalDpi xmlns:a14="http://schemas.microsoft.com/office/drawing/2010/main" val="0"/>
+              </a:ext>
+            </a:extLst>
+          </a:blip>
+          <a:stretch>
+            <a:fillRect/>
+          </a:stretch>
+        </p:blipFill>
+        <p:spPr>
+          <a:xfrm>
+            <a:off x="3465853" y="1248851"/>
+            <a:ext cx="4887362" cy="4489390"/>
+          </a:xfrm>
+          <a:prstGeom prst="rect">
+            <a:avLst/>
+          </a:prstGeom>
+          <a:ln w="12700">
+            <a:solidFill>
+              <a:schemeClr val="tx1"/>
+            </a:solidFill>
+          </a:ln>
+        </p:spPr>
+      </p:pic>
+      <p:pic>
+        <p:nvPicPr>
+          <p:cNvPr id="3" name="Picture 2">
+            <a:extLst>
+              <a:ext uri="{FF2B5EF4-FFF2-40B4-BE49-F238E27FC236}">
+                <a16:creationId xmlns:a16="http://schemas.microsoft.com/office/drawing/2014/main" id="{BFDBE9D3-8276-5CE2-E866-F5718F18CDA1}"/>
+              </a:ext>
+            </a:extLst>
+          </p:cNvPr>
+          <p:cNvPicPr>
+            <a:picLocks noChangeAspect="1"/>
+          </p:cNvPicPr>
+          <p:nvPr/>
+        </p:nvPicPr>
+        <p:blipFill>
+          <a:blip r:embed="rId5"/>
+          <a:stretch>
+            <a:fillRect/>
+          </a:stretch>
+        </p:blipFill>
+        <p:spPr>
+          <a:xfrm>
+            <a:off x="3674766" y="5165825"/>
+            <a:ext cx="1207514" cy="511087"/>
+          </a:xfrm>
+          <a:prstGeom prst="rect">
+            <a:avLst/>
+          </a:prstGeom>
+        </p:spPr>
+      </p:pic>
+      <p:sp>
+        <p:nvSpPr>
+          <p:cNvPr id="16" name="Arrow: Down 15">
+            <a:extLst>
+              <a:ext uri="{FF2B5EF4-FFF2-40B4-BE49-F238E27FC236}">
+                <a16:creationId xmlns:a16="http://schemas.microsoft.com/office/drawing/2014/main" id="{ED73C830-2272-A490-DC0E-7047A1353455}"/>
               </a:ext>
             </a:extLst>
           </p:cNvPr>
@@ -4068,10 +4043,10 @@
         </p:nvSpPr>
         <p:spPr>
           <a:xfrm>
-            <a:off x="5830701" y="3133586"/>
-            <a:ext cx="288601" cy="172369"/>
-          </a:xfrm>
-          <a:prstGeom prst="rightArrow">
+            <a:off x="1712963" y="3994592"/>
+            <a:ext cx="158450" cy="183239"/>
+          </a:xfrm>
+          <a:prstGeom prst="downArrow">
             <a:avLst/>
           </a:prstGeom>
         </p:spPr>
@@ -4102,10 +4077,10 @@
       </p:sp>
       <p:sp>
         <p:nvSpPr>
-          <p:cNvPr id="26" name="Arrow: Right 25">
-            <a:extLst>
-              <a:ext uri="{FF2B5EF4-FFF2-40B4-BE49-F238E27FC236}">
-                <a16:creationId xmlns:a16="http://schemas.microsoft.com/office/drawing/2014/main" id="{5CE680F5-249E-A5EF-291B-9A61F54153D5}"/>
+          <p:cNvPr id="18" name="Arrow: Down 17">
+            <a:extLst>
+              <a:ext uri="{FF2B5EF4-FFF2-40B4-BE49-F238E27FC236}">
+                <a16:creationId xmlns:a16="http://schemas.microsoft.com/office/drawing/2014/main" id="{A7EF168D-07A1-B172-0A20-A4E8F68C2308}"/>
               </a:ext>
             </a:extLst>
           </p:cNvPr>
@@ -4114,10 +4089,10 @@
         </p:nvSpPr>
         <p:spPr>
           <a:xfrm>
-            <a:off x="8617515" y="3151913"/>
-            <a:ext cx="288601" cy="172369"/>
-          </a:xfrm>
-          <a:prstGeom prst="rightArrow">
+            <a:off x="1712963" y="4899559"/>
+            <a:ext cx="158450" cy="183239"/>
+          </a:xfrm>
+          <a:prstGeom prst="downArrow">
             <a:avLst/>
           </a:prstGeom>
         </p:spPr>
@@ -4148,10 +4123,10 @@
       </p:sp>
       <p:sp>
         <p:nvSpPr>
-          <p:cNvPr id="27" name="Arrow: Down 26">
-            <a:extLst>
-              <a:ext uri="{FF2B5EF4-FFF2-40B4-BE49-F238E27FC236}">
-                <a16:creationId xmlns:a16="http://schemas.microsoft.com/office/drawing/2014/main" id="{D304D1FD-8058-A02B-77BD-79DFB3EBED13}"/>
+          <p:cNvPr id="24" name="Arrow: Right 23">
+            <a:extLst>
+              <a:ext uri="{FF2B5EF4-FFF2-40B4-BE49-F238E27FC236}">
+                <a16:creationId xmlns:a16="http://schemas.microsoft.com/office/drawing/2014/main" id="{BCF97263-1E66-EC51-931F-B3DE6C471D0A}"/>
               </a:ext>
             </a:extLst>
           </p:cNvPr>
@@ -4160,10 +4135,10 @@
         </p:nvSpPr>
         <p:spPr>
           <a:xfrm>
-            <a:off x="9800216" y="3818964"/>
-            <a:ext cx="158450" cy="183239"/>
-          </a:xfrm>
-          <a:prstGeom prst="downArrow">
+            <a:off x="3154096" y="5335183"/>
+            <a:ext cx="288601" cy="172369"/>
+          </a:xfrm>
+          <a:prstGeom prst="rightArrow">
             <a:avLst/>
           </a:prstGeom>
         </p:spPr>
@@ -4194,10 +4169,1260 @@
       </p:sp>
       <p:sp>
         <p:nvSpPr>
+          <p:cNvPr id="26" name="Arrow: Right 25">
+            <a:extLst>
+              <a:ext uri="{FF2B5EF4-FFF2-40B4-BE49-F238E27FC236}">
+                <a16:creationId xmlns:a16="http://schemas.microsoft.com/office/drawing/2014/main" id="{5CE680F5-249E-A5EF-291B-9A61F54153D5}"/>
+              </a:ext>
+            </a:extLst>
+          </p:cNvPr>
+          <p:cNvSpPr/>
+          <p:nvPr/>
+        </p:nvSpPr>
+        <p:spPr>
+          <a:xfrm>
+            <a:off x="8179796" y="1640521"/>
+            <a:ext cx="288601" cy="172369"/>
+          </a:xfrm>
+          <a:prstGeom prst="rightArrow">
+            <a:avLst/>
+          </a:prstGeom>
+        </p:spPr>
+        <p:style>
+          <a:lnRef idx="2">
+            <a:schemeClr val="accent1">
+              <a:shade val="15000"/>
+            </a:schemeClr>
+          </a:lnRef>
+          <a:fillRef idx="1">
+            <a:schemeClr val="accent1"/>
+          </a:fillRef>
+          <a:effectRef idx="0">
+            <a:schemeClr val="accent1"/>
+          </a:effectRef>
+          <a:fontRef idx="minor">
+            <a:schemeClr val="lt1"/>
+          </a:fontRef>
+        </p:style>
+        <p:txBody>
+          <a:bodyPr rtlCol="0" anchor="ctr"/>
+          <a:lstStyle/>
+          <a:p>
+            <a:pPr algn="ctr"/>
+            <a:endParaRPr lang="en-SG"/>
+          </a:p>
+        </p:txBody>
+      </p:sp>
+      <p:pic>
+        <p:nvPicPr>
+          <p:cNvPr id="5" name="Picture 4">
+            <a:extLst>
+              <a:ext uri="{FF2B5EF4-FFF2-40B4-BE49-F238E27FC236}">
+                <a16:creationId xmlns:a16="http://schemas.microsoft.com/office/drawing/2014/main" id="{9790DBF2-B3E5-2FC9-9C75-92B42D05ACE7}"/>
+              </a:ext>
+            </a:extLst>
+          </p:cNvPr>
+          <p:cNvPicPr>
+            <a:picLocks noChangeAspect="1"/>
+          </p:cNvPicPr>
+          <p:nvPr/>
+        </p:nvPicPr>
+        <p:blipFill>
+          <a:blip r:embed="rId6"/>
+          <a:stretch>
+            <a:fillRect/>
+          </a:stretch>
+        </p:blipFill>
+        <p:spPr>
+          <a:xfrm>
+            <a:off x="5048701" y="5165824"/>
+            <a:ext cx="592471" cy="511087"/>
+          </a:xfrm>
+          <a:prstGeom prst="rect">
+            <a:avLst/>
+          </a:prstGeom>
+          <a:ln w="9525">
+            <a:solidFill>
+              <a:schemeClr val="tx1"/>
+            </a:solidFill>
+          </a:ln>
+        </p:spPr>
+      </p:pic>
+      <p:pic>
+        <p:nvPicPr>
+          <p:cNvPr id="22" name="Picture 21">
+            <a:extLst>
+              <a:ext uri="{FF2B5EF4-FFF2-40B4-BE49-F238E27FC236}">
+                <a16:creationId xmlns:a16="http://schemas.microsoft.com/office/drawing/2014/main" id="{01506395-B503-474A-59B9-46CDF86FB7E5}"/>
+              </a:ext>
+            </a:extLst>
+          </p:cNvPr>
+          <p:cNvPicPr>
+            <a:picLocks noChangeAspect="1"/>
+          </p:cNvPicPr>
+          <p:nvPr/>
+        </p:nvPicPr>
+        <p:blipFill>
+          <a:blip r:embed="rId7"/>
+          <a:stretch>
+            <a:fillRect/>
+          </a:stretch>
+        </p:blipFill>
+        <p:spPr>
+          <a:xfrm>
+            <a:off x="5837772" y="5128716"/>
+            <a:ext cx="651970" cy="591227"/>
+          </a:xfrm>
+          <a:prstGeom prst="rect">
+            <a:avLst/>
+          </a:prstGeom>
+        </p:spPr>
+      </p:pic>
+      <p:pic>
+        <p:nvPicPr>
+          <p:cNvPr id="29" name="Picture 28" descr="A screenshot of a computer&#10;&#10;AI-generated content may be incorrect.">
+            <a:extLst>
+              <a:ext uri="{FF2B5EF4-FFF2-40B4-BE49-F238E27FC236}">
+                <a16:creationId xmlns:a16="http://schemas.microsoft.com/office/drawing/2014/main" id="{B62FA928-0A75-C04D-01EE-D0E58F2ABBC7}"/>
+              </a:ext>
+            </a:extLst>
+          </p:cNvPr>
+          <p:cNvPicPr>
+            <a:picLocks noChangeAspect="1"/>
+          </p:cNvPicPr>
+          <p:nvPr/>
+        </p:nvPicPr>
+        <p:blipFill>
+          <a:blip r:embed="rId8">
+            <a:extLst>
+              <a:ext uri="{28A0092B-C50C-407E-A947-70E740481C1C}">
+                <a14:useLocalDpi xmlns:a14="http://schemas.microsoft.com/office/drawing/2010/main" val="0"/>
+              </a:ext>
+            </a:extLst>
+          </a:blip>
+          <a:stretch>
+            <a:fillRect/>
+          </a:stretch>
+        </p:blipFill>
+        <p:spPr>
+          <a:xfrm>
+            <a:off x="8497515" y="1209260"/>
+            <a:ext cx="2935433" cy="2201575"/>
+          </a:xfrm>
+          <a:prstGeom prst="rect">
+            <a:avLst/>
+          </a:prstGeom>
+          <a:ln w="12700">
+            <a:solidFill>
+              <a:schemeClr val="tx1"/>
+            </a:solidFill>
+          </a:ln>
+        </p:spPr>
+      </p:pic>
+      <p:pic>
+        <p:nvPicPr>
+          <p:cNvPr id="35" name="Picture 34" descr="A screenshot of a computer&#10;&#10;AI-generated content may be incorrect.">
+            <a:extLst>
+              <a:ext uri="{FF2B5EF4-FFF2-40B4-BE49-F238E27FC236}">
+                <a16:creationId xmlns:a16="http://schemas.microsoft.com/office/drawing/2014/main" id="{BC8F9BE0-403C-0C45-DCAD-4DE62628CDB7}"/>
+              </a:ext>
+            </a:extLst>
+          </p:cNvPr>
+          <p:cNvPicPr>
+            <a:picLocks noChangeAspect="1"/>
+          </p:cNvPicPr>
+          <p:nvPr/>
+        </p:nvPicPr>
+        <p:blipFill>
+          <a:blip r:embed="rId9">
+            <a:extLst>
+              <a:ext uri="{28A0092B-C50C-407E-A947-70E740481C1C}">
+                <a14:useLocalDpi xmlns:a14="http://schemas.microsoft.com/office/drawing/2010/main" val="0"/>
+              </a:ext>
+            </a:extLst>
+          </a:blip>
+          <a:stretch>
+            <a:fillRect/>
+          </a:stretch>
+        </p:blipFill>
+        <p:spPr>
+          <a:xfrm>
+            <a:off x="8515744" y="3568167"/>
+            <a:ext cx="2679100" cy="1395364"/>
+          </a:xfrm>
+          <a:prstGeom prst="rect">
+            <a:avLst/>
+          </a:prstGeom>
+          <a:ln w="12700">
+            <a:solidFill>
+              <a:schemeClr val="tx1"/>
+            </a:solidFill>
+          </a:ln>
+        </p:spPr>
+      </p:pic>
+      <p:pic>
+        <p:nvPicPr>
+          <p:cNvPr id="37" name="Picture 36" descr="A screenshot of a computer program&#10;&#10;AI-generated content may be incorrect.">
+            <a:extLst>
+              <a:ext uri="{FF2B5EF4-FFF2-40B4-BE49-F238E27FC236}">
+                <a16:creationId xmlns:a16="http://schemas.microsoft.com/office/drawing/2014/main" id="{C648E7C8-D136-E3E4-672D-C71222F36968}"/>
+              </a:ext>
+            </a:extLst>
+          </p:cNvPr>
+          <p:cNvPicPr>
+            <a:picLocks noChangeAspect="1"/>
+          </p:cNvPicPr>
+          <p:nvPr/>
+        </p:nvPicPr>
+        <p:blipFill>
+          <a:blip r:embed="rId10">
+            <a:extLst>
+              <a:ext uri="{28A0092B-C50C-407E-A947-70E740481C1C}">
+                <a14:useLocalDpi xmlns:a14="http://schemas.microsoft.com/office/drawing/2010/main" val="0"/>
+              </a:ext>
+            </a:extLst>
+          </a:blip>
+          <a:srcRect r="15161" b="22066"/>
+          <a:stretch>
+            <a:fillRect/>
+          </a:stretch>
+        </p:blipFill>
+        <p:spPr>
+          <a:xfrm>
+            <a:off x="8684177" y="4422521"/>
+            <a:ext cx="2748771" cy="1320554"/>
+          </a:xfrm>
+          <a:prstGeom prst="rect">
+            <a:avLst/>
+          </a:prstGeom>
+          <a:ln w="12700">
+            <a:solidFill>
+              <a:schemeClr val="tx1"/>
+            </a:solidFill>
+          </a:ln>
+        </p:spPr>
+      </p:pic>
+      <p:sp>
+        <p:nvSpPr>
+          <p:cNvPr id="38" name="Arrow: Right 37">
+            <a:extLst>
+              <a:ext uri="{FF2B5EF4-FFF2-40B4-BE49-F238E27FC236}">
+                <a16:creationId xmlns:a16="http://schemas.microsoft.com/office/drawing/2014/main" id="{69025B65-3548-AEF4-48AA-2ECBA2843A71}"/>
+              </a:ext>
+            </a:extLst>
+          </p:cNvPr>
+          <p:cNvSpPr/>
+          <p:nvPr/>
+        </p:nvSpPr>
+        <p:spPr>
+          <a:xfrm>
+            <a:off x="7795581" y="5335182"/>
+            <a:ext cx="766547" cy="172369"/>
+          </a:xfrm>
+          <a:prstGeom prst="rightArrow">
+            <a:avLst/>
+          </a:prstGeom>
+        </p:spPr>
+        <p:style>
+          <a:lnRef idx="2">
+            <a:schemeClr val="accent1">
+              <a:shade val="15000"/>
+            </a:schemeClr>
+          </a:lnRef>
+          <a:fillRef idx="1">
+            <a:schemeClr val="accent1"/>
+          </a:fillRef>
+          <a:effectRef idx="0">
+            <a:schemeClr val="accent1"/>
+          </a:effectRef>
+          <a:fontRef idx="minor">
+            <a:schemeClr val="lt1"/>
+          </a:fontRef>
+        </p:style>
+        <p:txBody>
+          <a:bodyPr rtlCol="0" anchor="ctr"/>
+          <a:lstStyle/>
+          <a:p>
+            <a:pPr algn="ctr"/>
+            <a:endParaRPr lang="en-SG"/>
+          </a:p>
+        </p:txBody>
+      </p:sp>
+      <p:sp>
+        <p:nvSpPr>
+          <p:cNvPr id="39" name="Arrow: Bent-Up 38">
+            <a:extLst>
+              <a:ext uri="{FF2B5EF4-FFF2-40B4-BE49-F238E27FC236}">
+                <a16:creationId xmlns:a16="http://schemas.microsoft.com/office/drawing/2014/main" id="{C564F343-BEDA-24D9-2D1E-E4D8F162A55F}"/>
+              </a:ext>
+            </a:extLst>
+          </p:cNvPr>
+          <p:cNvSpPr/>
+          <p:nvPr/>
+        </p:nvSpPr>
+        <p:spPr>
+          <a:xfrm rot="5400000">
+            <a:off x="7959888" y="3365599"/>
+            <a:ext cx="378844" cy="616721"/>
+          </a:xfrm>
+          <a:prstGeom prst="bentUpArrow">
+            <a:avLst/>
+          </a:prstGeom>
+        </p:spPr>
+        <p:style>
+          <a:lnRef idx="2">
+            <a:schemeClr val="accent1">
+              <a:shade val="15000"/>
+            </a:schemeClr>
+          </a:lnRef>
+          <a:fillRef idx="1">
+            <a:schemeClr val="accent1"/>
+          </a:fillRef>
+          <a:effectRef idx="0">
+            <a:schemeClr val="accent1"/>
+          </a:effectRef>
+          <a:fontRef idx="minor">
+            <a:schemeClr val="lt1"/>
+          </a:fontRef>
+        </p:style>
+        <p:txBody>
+          <a:bodyPr rtlCol="0" anchor="ctr"/>
+          <a:lstStyle/>
+          <a:p>
+            <a:pPr algn="ctr"/>
+            <a:endParaRPr lang="en-SG"/>
+          </a:p>
+        </p:txBody>
+      </p:sp>
+      <p:sp>
+        <p:nvSpPr>
+          <p:cNvPr id="40" name="TextBox 39">
+            <a:extLst>
+              <a:ext uri="{FF2B5EF4-FFF2-40B4-BE49-F238E27FC236}">
+                <a16:creationId xmlns:a16="http://schemas.microsoft.com/office/drawing/2014/main" id="{80EE57AD-4A1E-0C10-C106-F6108D166E5A}"/>
+              </a:ext>
+            </a:extLst>
+          </p:cNvPr>
+          <p:cNvSpPr txBox="1"/>
+          <p:nvPr/>
+        </p:nvSpPr>
+        <p:spPr>
+          <a:xfrm>
+            <a:off x="844178" y="557368"/>
+            <a:ext cx="10561811" cy="461665"/>
+          </a:xfrm>
+          <a:prstGeom prst="rect">
+            <a:avLst/>
+          </a:prstGeom>
+          <a:noFill/>
+          <a:ln w="19050">
+            <a:solidFill>
+              <a:schemeClr val="tx1"/>
+            </a:solidFill>
+            <a:prstDash val="sysDash"/>
+          </a:ln>
+        </p:spPr>
+        <p:txBody>
+          <a:bodyPr wrap="square" rtlCol="0">
+            <a:spAutoFit/>
+          </a:bodyPr>
+          <a:lstStyle/>
+          <a:p>
+            <a:r>
+              <a:rPr lang="en-US" sz="2400" b="1" dirty="0"/>
+              <a:t>Detailed Steps to Deploy KYPO Cyber Range Platform on OpenStack-YOGA</a:t>
+            </a:r>
+            <a:endParaRPr lang="en-SG" sz="2400" b="1" dirty="0"/>
+          </a:p>
+        </p:txBody>
+      </p:sp>
+    </p:spTree>
+    <p:extLst>
+      <p:ext uri="{BB962C8B-B14F-4D97-AF65-F5344CB8AC3E}">
+        <p14:creationId xmlns:p14="http://schemas.microsoft.com/office/powerpoint/2010/main" val="3998285957"/>
+      </p:ext>
+    </p:extLst>
+  </p:cSld>
+  <p:clrMapOvr>
+    <a:masterClrMapping/>
+  </p:clrMapOvr>
+</p:sld>
+</file>
+
+<file path=ppt/slides/slide2.xml><?xml version="1.0" encoding="utf-8"?>
+<p:sld xmlns:a="http://schemas.openxmlformats.org/drawingml/2006/main" xmlns:r="http://schemas.openxmlformats.org/officeDocument/2006/relationships" xmlns:p="http://schemas.openxmlformats.org/presentationml/2006/main">
+  <p:cSld>
+    <p:spTree>
+      <p:nvGrpSpPr>
+        <p:cNvPr id="1" name="">
+          <a:extLst>
+            <a:ext uri="{FF2B5EF4-FFF2-40B4-BE49-F238E27FC236}">
+              <a16:creationId xmlns:a16="http://schemas.microsoft.com/office/drawing/2014/main" id="{CE18D8AE-5125-23BD-981E-90025813C457}"/>
+            </a:ext>
+          </a:extLst>
+        </p:cNvPr>
+        <p:cNvGrpSpPr/>
+        <p:nvPr/>
+      </p:nvGrpSpPr>
+      <p:grpSpPr>
+        <a:xfrm>
+          <a:off x="0" y="0"/>
+          <a:ext cx="0" cy="0"/>
+          <a:chOff x="0" y="0"/>
+          <a:chExt cx="0" cy="0"/>
+        </a:xfrm>
+      </p:grpSpPr>
+      <p:sp>
+        <p:nvSpPr>
+          <p:cNvPr id="4" name="Rectangle 3">
+            <a:extLst>
+              <a:ext uri="{FF2B5EF4-FFF2-40B4-BE49-F238E27FC236}">
+                <a16:creationId xmlns:a16="http://schemas.microsoft.com/office/drawing/2014/main" id="{01157A3B-61A1-75DA-F608-D96FF616F571}"/>
+              </a:ext>
+            </a:extLst>
+          </p:cNvPr>
+          <p:cNvSpPr/>
+          <p:nvPr/>
+        </p:nvSpPr>
+        <p:spPr>
+          <a:xfrm>
+            <a:off x="870918" y="2751754"/>
+            <a:ext cx="2055159" cy="995621"/>
+          </a:xfrm>
+          <a:prstGeom prst="rect">
+            <a:avLst/>
+          </a:prstGeom>
+          <a:ln w="28575">
+            <a:prstDash val="sysDash"/>
+          </a:ln>
+        </p:spPr>
+        <p:style>
+          <a:lnRef idx="2">
+            <a:schemeClr val="accent6"/>
+          </a:lnRef>
+          <a:fillRef idx="1">
+            <a:schemeClr val="lt1"/>
+          </a:fillRef>
+          <a:effectRef idx="0">
+            <a:schemeClr val="accent6"/>
+          </a:effectRef>
+          <a:fontRef idx="minor">
+            <a:schemeClr val="dk1"/>
+          </a:fontRef>
+        </p:style>
+        <p:txBody>
+          <a:bodyPr rtlCol="0" anchor="ctr"/>
+          <a:lstStyle/>
+          <a:p>
+            <a:r>
+              <a:rPr lang="en-SG" b="1" dirty="0"/>
+              <a:t>Step1: Pre-config all the OpenStack settings</a:t>
+            </a:r>
+          </a:p>
+        </p:txBody>
+      </p:sp>
+      <p:sp>
+        <p:nvSpPr>
+          <p:cNvPr id="6" name="Rectangle 5">
+            <a:extLst>
+              <a:ext uri="{FF2B5EF4-FFF2-40B4-BE49-F238E27FC236}">
+                <a16:creationId xmlns:a16="http://schemas.microsoft.com/office/drawing/2014/main" id="{AB13996C-A793-98B6-D9F6-2EC8E672062F}"/>
+              </a:ext>
+            </a:extLst>
+          </p:cNvPr>
+          <p:cNvSpPr/>
+          <p:nvPr/>
+        </p:nvSpPr>
+        <p:spPr>
+          <a:xfrm>
+            <a:off x="3437916" y="2751756"/>
+            <a:ext cx="2263631" cy="995619"/>
+          </a:xfrm>
+          <a:prstGeom prst="rect">
+            <a:avLst/>
+          </a:prstGeom>
+          <a:ln w="28575">
+            <a:prstDash val="sysDash"/>
+          </a:ln>
+        </p:spPr>
+        <p:style>
+          <a:lnRef idx="2">
+            <a:schemeClr val="accent6"/>
+          </a:lnRef>
+          <a:fillRef idx="1">
+            <a:schemeClr val="lt1"/>
+          </a:fillRef>
+          <a:effectRef idx="0">
+            <a:schemeClr val="accent6"/>
+          </a:effectRef>
+          <a:fontRef idx="minor">
+            <a:schemeClr val="dk1"/>
+          </a:fontRef>
+        </p:style>
+        <p:txBody>
+          <a:bodyPr rtlCol="0" anchor="ctr"/>
+          <a:lstStyle/>
+          <a:p>
+            <a:r>
+              <a:rPr lang="en-US" b="1" dirty="0"/>
+              <a:t>Step 2: Deployment of OpenStack base resources</a:t>
+            </a:r>
+            <a:r>
+              <a:rPr lang="en-SG" b="1" dirty="0"/>
+              <a:t>  </a:t>
+            </a:r>
+          </a:p>
+        </p:txBody>
+      </p:sp>
+      <p:cxnSp>
+        <p:nvCxnSpPr>
+          <p:cNvPr id="7" name="Straight Arrow Connector 6">
+            <a:extLst>
+              <a:ext uri="{FF2B5EF4-FFF2-40B4-BE49-F238E27FC236}">
+                <a16:creationId xmlns:a16="http://schemas.microsoft.com/office/drawing/2014/main" id="{0EC2824A-66AD-B60C-6060-E761E0436C71}"/>
+              </a:ext>
+            </a:extLst>
+          </p:cNvPr>
+          <p:cNvCxnSpPr>
+            <a:cxnSpLocks/>
+          </p:cNvCxnSpPr>
+          <p:nvPr/>
+        </p:nvCxnSpPr>
+        <p:spPr>
+          <a:xfrm>
+            <a:off x="2840019" y="4672055"/>
+            <a:ext cx="5686964" cy="0"/>
+          </a:xfrm>
+          <a:prstGeom prst="straightConnector1">
+            <a:avLst/>
+          </a:prstGeom>
+          <a:ln w="19050">
+            <a:prstDash val="sysDash"/>
+            <a:tailEnd type="triangle"/>
+          </a:ln>
+        </p:spPr>
+        <p:style>
+          <a:lnRef idx="1">
+            <a:schemeClr val="accent1"/>
+          </a:lnRef>
+          <a:fillRef idx="0">
+            <a:schemeClr val="accent1"/>
+          </a:fillRef>
+          <a:effectRef idx="0">
+            <a:schemeClr val="accent1"/>
+          </a:effectRef>
+          <a:fontRef idx="minor">
+            <a:schemeClr val="tx1"/>
+          </a:fontRef>
+        </p:style>
+      </p:cxnSp>
+      <p:sp>
+        <p:nvSpPr>
+          <p:cNvPr id="8" name="Rectangle 7">
+            <a:extLst>
+              <a:ext uri="{FF2B5EF4-FFF2-40B4-BE49-F238E27FC236}">
+                <a16:creationId xmlns:a16="http://schemas.microsoft.com/office/drawing/2014/main" id="{30471863-5841-D939-B42C-48C649712493}"/>
+              </a:ext>
+            </a:extLst>
+          </p:cNvPr>
+          <p:cNvSpPr/>
+          <p:nvPr/>
+        </p:nvSpPr>
+        <p:spPr>
+          <a:xfrm>
+            <a:off x="6248129" y="2754236"/>
+            <a:ext cx="2263627" cy="995619"/>
+          </a:xfrm>
+          <a:prstGeom prst="rect">
+            <a:avLst/>
+          </a:prstGeom>
+          <a:ln w="28575">
+            <a:prstDash val="sysDash"/>
+          </a:ln>
+        </p:spPr>
+        <p:style>
+          <a:lnRef idx="2">
+            <a:schemeClr val="accent6"/>
+          </a:lnRef>
+          <a:fillRef idx="1">
+            <a:schemeClr val="lt1"/>
+          </a:fillRef>
+          <a:effectRef idx="0">
+            <a:schemeClr val="accent6"/>
+          </a:effectRef>
+          <a:fontRef idx="minor">
+            <a:schemeClr val="dk1"/>
+          </a:fontRef>
+        </p:style>
+        <p:txBody>
+          <a:bodyPr rtlCol="0" anchor="ctr"/>
+          <a:lstStyle/>
+          <a:p>
+            <a:r>
+              <a:rPr lang="en-US" b="1" dirty="0"/>
+              <a:t>Step 3: Deployment of KYPO-CRP Helm application</a:t>
+            </a:r>
+            <a:endParaRPr lang="en-SG" b="1" dirty="0"/>
+          </a:p>
+        </p:txBody>
+      </p:sp>
+      <p:pic>
+        <p:nvPicPr>
+          <p:cNvPr id="10" name="Picture 2" descr="Terraform vCloud Director Provider Holiday Release - VMware Cloud Provider  Blog">
+            <a:extLst>
+              <a:ext uri="{FF2B5EF4-FFF2-40B4-BE49-F238E27FC236}">
+                <a16:creationId xmlns:a16="http://schemas.microsoft.com/office/drawing/2014/main" id="{9A0D6B58-BCE5-C8A4-DF42-4C41EDA14971}"/>
+              </a:ext>
+            </a:extLst>
+          </p:cNvPr>
+          <p:cNvPicPr>
+            <a:picLocks noChangeAspect="1" noChangeArrowheads="1"/>
+          </p:cNvPicPr>
+          <p:nvPr/>
+        </p:nvPicPr>
+        <p:blipFill>
+          <a:blip r:embed="rId2">
+            <a:extLst>
+              <a:ext uri="{28A0092B-C50C-407E-A947-70E740481C1C}">
+                <a14:useLocalDpi xmlns:a14="http://schemas.microsoft.com/office/drawing/2010/main" val="0"/>
+              </a:ext>
+            </a:extLst>
+          </a:blip>
+          <a:srcRect/>
+          <a:stretch>
+            <a:fillRect/>
+          </a:stretch>
+        </p:blipFill>
+        <p:spPr bwMode="auto">
+          <a:xfrm>
+            <a:off x="3801672" y="2015183"/>
+            <a:ext cx="615094" cy="460727"/>
+          </a:xfrm>
+          <a:prstGeom prst="rect">
+            <a:avLst/>
+          </a:prstGeom>
+          <a:noFill/>
+          <a:ln w="12700">
+            <a:solidFill>
+              <a:schemeClr val="tx1"/>
+            </a:solidFill>
+          </a:ln>
+          <a:extLst>
+            <a:ext uri="{909E8E84-426E-40DD-AFC4-6F175D3DCCD1}">
+              <a14:hiddenFill xmlns:a14="http://schemas.microsoft.com/office/drawing/2010/main">
+                <a:solidFill>
+                  <a:srgbClr val="FFFFFF"/>
+                </a:solidFill>
+              </a14:hiddenFill>
+            </a:ext>
+          </a:extLst>
+        </p:spPr>
+      </p:pic>
+      <p:sp>
+        <p:nvSpPr>
+          <p:cNvPr id="11" name="TextBox 10">
+            <a:extLst>
+              <a:ext uri="{FF2B5EF4-FFF2-40B4-BE49-F238E27FC236}">
+                <a16:creationId xmlns:a16="http://schemas.microsoft.com/office/drawing/2014/main" id="{89178C06-6B34-7F96-EE71-FBEF137936EC}"/>
+              </a:ext>
+            </a:extLst>
+          </p:cNvPr>
+          <p:cNvSpPr txBox="1"/>
+          <p:nvPr/>
+        </p:nvSpPr>
+        <p:spPr>
+          <a:xfrm>
+            <a:off x="4469245" y="1915663"/>
+            <a:ext cx="1837001" cy="584775"/>
+          </a:xfrm>
+          <a:prstGeom prst="rect">
+            <a:avLst/>
+          </a:prstGeom>
+          <a:noFill/>
+        </p:spPr>
+        <p:txBody>
+          <a:bodyPr wrap="square" rtlCol="0">
+            <a:spAutoFit/>
+          </a:bodyPr>
+          <a:lstStyle/>
+          <a:p>
+            <a:r>
+              <a:rPr lang="en-SG" sz="1600" b="1" dirty="0">
+                <a:solidFill>
+                  <a:schemeClr val="tx2">
+                    <a:lumMod val="75000"/>
+                    <a:lumOff val="25000"/>
+                  </a:schemeClr>
+                </a:solidFill>
+              </a:rPr>
+              <a:t>KYPO Base terraform files </a:t>
+            </a:r>
+          </a:p>
+        </p:txBody>
+      </p:sp>
+      <p:cxnSp>
+        <p:nvCxnSpPr>
+          <p:cNvPr id="12" name="Straight Arrow Connector 11">
+            <a:extLst>
+              <a:ext uri="{FF2B5EF4-FFF2-40B4-BE49-F238E27FC236}">
+                <a16:creationId xmlns:a16="http://schemas.microsoft.com/office/drawing/2014/main" id="{20DC6C33-B74E-D614-30DE-EF47009EB069}"/>
+              </a:ext>
+            </a:extLst>
+          </p:cNvPr>
+          <p:cNvCxnSpPr>
+            <a:cxnSpLocks/>
+          </p:cNvCxnSpPr>
+          <p:nvPr/>
+        </p:nvCxnSpPr>
+        <p:spPr>
+          <a:xfrm>
+            <a:off x="4103850" y="2482968"/>
+            <a:ext cx="0" cy="268786"/>
+          </a:xfrm>
+          <a:prstGeom prst="straightConnector1">
+            <a:avLst/>
+          </a:prstGeom>
+          <a:ln w="19050">
+            <a:prstDash val="sysDash"/>
+            <a:tailEnd type="triangle"/>
+          </a:ln>
+        </p:spPr>
+        <p:style>
+          <a:lnRef idx="1">
+            <a:schemeClr val="accent1"/>
+          </a:lnRef>
+          <a:fillRef idx="0">
+            <a:schemeClr val="accent1"/>
+          </a:fillRef>
+          <a:effectRef idx="0">
+            <a:schemeClr val="accent1"/>
+          </a:effectRef>
+          <a:fontRef idx="minor">
+            <a:schemeClr val="tx1"/>
+          </a:fontRef>
+        </p:style>
+      </p:cxnSp>
+      <p:pic>
+        <p:nvPicPr>
+          <p:cNvPr id="13" name="Picture 2" descr="Terraform vCloud Director Provider Holiday Release - VMware Cloud Provider  Blog">
+            <a:extLst>
+              <a:ext uri="{FF2B5EF4-FFF2-40B4-BE49-F238E27FC236}">
+                <a16:creationId xmlns:a16="http://schemas.microsoft.com/office/drawing/2014/main" id="{973174DA-0AE4-4528-E0F3-4ACA3CC7631A}"/>
+              </a:ext>
+            </a:extLst>
+          </p:cNvPr>
+          <p:cNvPicPr>
+            <a:picLocks noChangeAspect="1" noChangeArrowheads="1"/>
+          </p:cNvPicPr>
+          <p:nvPr/>
+        </p:nvPicPr>
+        <p:blipFill>
+          <a:blip r:embed="rId2">
+            <a:extLst>
+              <a:ext uri="{28A0092B-C50C-407E-A947-70E740481C1C}">
+                <a14:useLocalDpi xmlns:a14="http://schemas.microsoft.com/office/drawing/2010/main" val="0"/>
+              </a:ext>
+            </a:extLst>
+          </a:blip>
+          <a:srcRect/>
+          <a:stretch>
+            <a:fillRect/>
+          </a:stretch>
+        </p:blipFill>
+        <p:spPr bwMode="auto">
+          <a:xfrm>
+            <a:off x="6440292" y="2000256"/>
+            <a:ext cx="615094" cy="460727"/>
+          </a:xfrm>
+          <a:prstGeom prst="rect">
+            <a:avLst/>
+          </a:prstGeom>
+          <a:noFill/>
+          <a:ln w="12700">
+            <a:solidFill>
+              <a:schemeClr val="tx1"/>
+            </a:solidFill>
+          </a:ln>
+          <a:extLst>
+            <a:ext uri="{909E8E84-426E-40DD-AFC4-6F175D3DCCD1}">
+              <a14:hiddenFill xmlns:a14="http://schemas.microsoft.com/office/drawing/2010/main">
+                <a:solidFill>
+                  <a:srgbClr val="FFFFFF"/>
+                </a:solidFill>
+              </a14:hiddenFill>
+            </a:ext>
+          </a:extLst>
+        </p:spPr>
+      </p:pic>
+      <p:cxnSp>
+        <p:nvCxnSpPr>
+          <p:cNvPr id="14" name="Straight Arrow Connector 13">
+            <a:extLst>
+              <a:ext uri="{FF2B5EF4-FFF2-40B4-BE49-F238E27FC236}">
+                <a16:creationId xmlns:a16="http://schemas.microsoft.com/office/drawing/2014/main" id="{CB5AF9E5-6970-4C09-9ED1-7998CBAAB62F}"/>
+              </a:ext>
+            </a:extLst>
+          </p:cNvPr>
+          <p:cNvCxnSpPr>
+            <a:cxnSpLocks/>
+          </p:cNvCxnSpPr>
+          <p:nvPr/>
+        </p:nvCxnSpPr>
+        <p:spPr>
+          <a:xfrm>
+            <a:off x="6735648" y="2482968"/>
+            <a:ext cx="0" cy="268786"/>
+          </a:xfrm>
+          <a:prstGeom prst="straightConnector1">
+            <a:avLst/>
+          </a:prstGeom>
+          <a:ln w="19050">
+            <a:prstDash val="sysDash"/>
+            <a:tailEnd type="triangle"/>
+          </a:ln>
+        </p:spPr>
+        <p:style>
+          <a:lnRef idx="1">
+            <a:schemeClr val="accent1"/>
+          </a:lnRef>
+          <a:fillRef idx="0">
+            <a:schemeClr val="accent1"/>
+          </a:fillRef>
+          <a:effectRef idx="0">
+            <a:schemeClr val="accent1"/>
+          </a:effectRef>
+          <a:fontRef idx="minor">
+            <a:schemeClr val="tx1"/>
+          </a:fontRef>
+        </p:style>
+      </p:cxnSp>
+      <p:sp>
+        <p:nvSpPr>
+          <p:cNvPr id="15" name="TextBox 14">
+            <a:extLst>
+              <a:ext uri="{FF2B5EF4-FFF2-40B4-BE49-F238E27FC236}">
+                <a16:creationId xmlns:a16="http://schemas.microsoft.com/office/drawing/2014/main" id="{4F31788A-2C24-8375-A616-BE731571730C}"/>
+              </a:ext>
+            </a:extLst>
+          </p:cNvPr>
+          <p:cNvSpPr txBox="1"/>
+          <p:nvPr/>
+        </p:nvSpPr>
+        <p:spPr>
+          <a:xfrm>
+            <a:off x="7129977" y="1915662"/>
+            <a:ext cx="1631839" cy="584775"/>
+          </a:xfrm>
+          <a:prstGeom prst="rect">
+            <a:avLst/>
+          </a:prstGeom>
+          <a:noFill/>
+        </p:spPr>
+        <p:txBody>
+          <a:bodyPr wrap="square" rtlCol="0">
+            <a:spAutoFit/>
+          </a:bodyPr>
+          <a:lstStyle/>
+          <a:p>
+            <a:r>
+              <a:rPr lang="en-SG" sz="1600" b="1" dirty="0">
+                <a:solidFill>
+                  <a:schemeClr val="tx2">
+                    <a:lumMod val="75000"/>
+                    <a:lumOff val="25000"/>
+                  </a:schemeClr>
+                </a:solidFill>
+              </a:rPr>
+              <a:t>KYPO Head terraform files </a:t>
+            </a:r>
+          </a:p>
+        </p:txBody>
+      </p:sp>
+      <p:sp>
+        <p:nvSpPr>
+          <p:cNvPr id="17" name="Rectangle 16">
+            <a:extLst>
+              <a:ext uri="{FF2B5EF4-FFF2-40B4-BE49-F238E27FC236}">
+                <a16:creationId xmlns:a16="http://schemas.microsoft.com/office/drawing/2014/main" id="{DF2E1B45-750C-B395-8C47-837FCD620B1B}"/>
+              </a:ext>
+            </a:extLst>
+          </p:cNvPr>
+          <p:cNvSpPr/>
+          <p:nvPr/>
+        </p:nvSpPr>
+        <p:spPr>
+          <a:xfrm>
+            <a:off x="9023599" y="2721960"/>
+            <a:ext cx="2263623" cy="995619"/>
+          </a:xfrm>
+          <a:prstGeom prst="rect">
+            <a:avLst/>
+          </a:prstGeom>
+          <a:ln w="28575">
+            <a:prstDash val="sysDash"/>
+          </a:ln>
+        </p:spPr>
+        <p:style>
+          <a:lnRef idx="2">
+            <a:schemeClr val="accent6"/>
+          </a:lnRef>
+          <a:fillRef idx="1">
+            <a:schemeClr val="lt1"/>
+          </a:fillRef>
+          <a:effectRef idx="0">
+            <a:schemeClr val="accent6"/>
+          </a:effectRef>
+          <a:fontRef idx="minor">
+            <a:schemeClr val="dk1"/>
+          </a:fontRef>
+        </p:style>
+        <p:txBody>
+          <a:bodyPr rtlCol="0" anchor="ctr"/>
+          <a:lstStyle/>
+          <a:p>
+            <a:r>
+              <a:rPr lang="en-SG" b="1" dirty="0"/>
+              <a:t>Step 4: Finish kypo-K8s cluster and dashboard config</a:t>
+            </a:r>
+          </a:p>
+        </p:txBody>
+      </p:sp>
+      <p:pic>
+        <p:nvPicPr>
+          <p:cNvPr id="3" name="Picture 2">
+            <a:extLst>
+              <a:ext uri="{FF2B5EF4-FFF2-40B4-BE49-F238E27FC236}">
+                <a16:creationId xmlns:a16="http://schemas.microsoft.com/office/drawing/2014/main" id="{0F601DE5-2BF2-78B3-219A-94724A949DC8}"/>
+              </a:ext>
+            </a:extLst>
+          </p:cNvPr>
+          <p:cNvPicPr>
+            <a:picLocks noChangeAspect="1"/>
+          </p:cNvPicPr>
+          <p:nvPr/>
+        </p:nvPicPr>
+        <p:blipFill>
+          <a:blip r:embed="rId3"/>
+          <a:stretch>
+            <a:fillRect/>
+          </a:stretch>
+        </p:blipFill>
+        <p:spPr>
+          <a:xfrm>
+            <a:off x="8720676" y="4066464"/>
+            <a:ext cx="2518779" cy="1066087"/>
+          </a:xfrm>
+          <a:prstGeom prst="rect">
+            <a:avLst/>
+          </a:prstGeom>
+        </p:spPr>
+      </p:pic>
+      <p:pic>
+        <p:nvPicPr>
+          <p:cNvPr id="19" name="Picture 18">
+            <a:extLst>
+              <a:ext uri="{FF2B5EF4-FFF2-40B4-BE49-F238E27FC236}">
+                <a16:creationId xmlns:a16="http://schemas.microsoft.com/office/drawing/2014/main" id="{A66259D9-6D6B-BC2C-1C5F-A3BF0B7D9485}"/>
+              </a:ext>
+            </a:extLst>
+          </p:cNvPr>
+          <p:cNvPicPr>
+            <a:picLocks noChangeAspect="1"/>
+          </p:cNvPicPr>
+          <p:nvPr/>
+        </p:nvPicPr>
+        <p:blipFill>
+          <a:blip r:embed="rId4"/>
+          <a:stretch>
+            <a:fillRect/>
+          </a:stretch>
+        </p:blipFill>
+        <p:spPr>
+          <a:xfrm>
+            <a:off x="870919" y="4118284"/>
+            <a:ext cx="1841849" cy="997496"/>
+          </a:xfrm>
+          <a:prstGeom prst="rect">
+            <a:avLst/>
+          </a:prstGeom>
+          <a:ln w="19050">
+            <a:solidFill>
+              <a:schemeClr val="tx1"/>
+            </a:solidFill>
+          </a:ln>
+        </p:spPr>
+      </p:pic>
+      <p:sp>
+        <p:nvSpPr>
+          <p:cNvPr id="20" name="Arrow: Up 19">
+            <a:extLst>
+              <a:ext uri="{FF2B5EF4-FFF2-40B4-BE49-F238E27FC236}">
+                <a16:creationId xmlns:a16="http://schemas.microsoft.com/office/drawing/2014/main" id="{B4D4EBBF-265E-0C64-35F3-21AFC2EA7B2E}"/>
+              </a:ext>
+            </a:extLst>
+          </p:cNvPr>
+          <p:cNvSpPr/>
+          <p:nvPr/>
+        </p:nvSpPr>
+        <p:spPr>
+          <a:xfrm>
+            <a:off x="1613647" y="3818964"/>
+            <a:ext cx="158450" cy="247500"/>
+          </a:xfrm>
+          <a:prstGeom prst="upArrow">
+            <a:avLst/>
+          </a:prstGeom>
+        </p:spPr>
+        <p:style>
+          <a:lnRef idx="2">
+            <a:schemeClr val="accent1">
+              <a:shade val="15000"/>
+            </a:schemeClr>
+          </a:lnRef>
+          <a:fillRef idx="1">
+            <a:schemeClr val="accent1"/>
+          </a:fillRef>
+          <a:effectRef idx="0">
+            <a:schemeClr val="accent1"/>
+          </a:effectRef>
+          <a:fontRef idx="minor">
+            <a:schemeClr val="lt1"/>
+          </a:fontRef>
+        </p:style>
+        <p:txBody>
+          <a:bodyPr rtlCol="0" anchor="ctr"/>
+          <a:lstStyle/>
+          <a:p>
+            <a:pPr algn="ctr"/>
+            <a:endParaRPr lang="en-SG"/>
+          </a:p>
+        </p:txBody>
+      </p:sp>
+      <p:pic>
+        <p:nvPicPr>
+          <p:cNvPr id="5" name="Picture 4">
+            <a:extLst>
+              <a:ext uri="{FF2B5EF4-FFF2-40B4-BE49-F238E27FC236}">
+                <a16:creationId xmlns:a16="http://schemas.microsoft.com/office/drawing/2014/main" id="{DE869A89-A1D8-E43A-D8AB-2B51B9B5A4B5}"/>
+              </a:ext>
+            </a:extLst>
+          </p:cNvPr>
+          <p:cNvPicPr>
+            <a:picLocks noChangeAspect="1"/>
+          </p:cNvPicPr>
+          <p:nvPr/>
+        </p:nvPicPr>
+        <p:blipFill>
+          <a:blip r:embed="rId5"/>
+          <a:stretch>
+            <a:fillRect/>
+          </a:stretch>
+        </p:blipFill>
+        <p:spPr>
+          <a:xfrm>
+            <a:off x="8480121" y="4002203"/>
+            <a:ext cx="481111" cy="415024"/>
+          </a:xfrm>
+          <a:prstGeom prst="rect">
+            <a:avLst/>
+          </a:prstGeom>
+          <a:ln w="9525">
+            <a:solidFill>
+              <a:schemeClr val="tx1"/>
+            </a:solidFill>
+          </a:ln>
+        </p:spPr>
+      </p:pic>
+      <p:sp>
+        <p:nvSpPr>
+          <p:cNvPr id="24" name="Arrow: Right 23">
+            <a:extLst>
+              <a:ext uri="{FF2B5EF4-FFF2-40B4-BE49-F238E27FC236}">
+                <a16:creationId xmlns:a16="http://schemas.microsoft.com/office/drawing/2014/main" id="{0FD2DB83-2D60-B87A-7D90-B8B5ECCB5B6F}"/>
+              </a:ext>
+            </a:extLst>
+          </p:cNvPr>
+          <p:cNvSpPr/>
+          <p:nvPr/>
+        </p:nvSpPr>
+        <p:spPr>
+          <a:xfrm>
+            <a:off x="3024754" y="3162497"/>
+            <a:ext cx="288601" cy="172369"/>
+          </a:xfrm>
+          <a:prstGeom prst="rightArrow">
+            <a:avLst/>
+          </a:prstGeom>
+        </p:spPr>
+        <p:style>
+          <a:lnRef idx="2">
+            <a:schemeClr val="accent1">
+              <a:shade val="15000"/>
+            </a:schemeClr>
+          </a:lnRef>
+          <a:fillRef idx="1">
+            <a:schemeClr val="accent1"/>
+          </a:fillRef>
+          <a:effectRef idx="0">
+            <a:schemeClr val="accent1"/>
+          </a:effectRef>
+          <a:fontRef idx="minor">
+            <a:schemeClr val="lt1"/>
+          </a:fontRef>
+        </p:style>
+        <p:txBody>
+          <a:bodyPr rtlCol="0" anchor="ctr"/>
+          <a:lstStyle/>
+          <a:p>
+            <a:pPr algn="ctr"/>
+            <a:endParaRPr lang="en-SG"/>
+          </a:p>
+        </p:txBody>
+      </p:sp>
+      <p:sp>
+        <p:nvSpPr>
+          <p:cNvPr id="25" name="Arrow: Right 24">
+            <a:extLst>
+              <a:ext uri="{FF2B5EF4-FFF2-40B4-BE49-F238E27FC236}">
+                <a16:creationId xmlns:a16="http://schemas.microsoft.com/office/drawing/2014/main" id="{EE0DFB77-E71C-2918-E655-6D3DB7C3E784}"/>
+              </a:ext>
+            </a:extLst>
+          </p:cNvPr>
+          <p:cNvSpPr/>
+          <p:nvPr/>
+        </p:nvSpPr>
+        <p:spPr>
+          <a:xfrm>
+            <a:off x="5830701" y="3133586"/>
+            <a:ext cx="288601" cy="172369"/>
+          </a:xfrm>
+          <a:prstGeom prst="rightArrow">
+            <a:avLst/>
+          </a:prstGeom>
+        </p:spPr>
+        <p:style>
+          <a:lnRef idx="2">
+            <a:schemeClr val="accent1">
+              <a:shade val="15000"/>
+            </a:schemeClr>
+          </a:lnRef>
+          <a:fillRef idx="1">
+            <a:schemeClr val="accent1"/>
+          </a:fillRef>
+          <a:effectRef idx="0">
+            <a:schemeClr val="accent1"/>
+          </a:effectRef>
+          <a:fontRef idx="minor">
+            <a:schemeClr val="lt1"/>
+          </a:fontRef>
+        </p:style>
+        <p:txBody>
+          <a:bodyPr rtlCol="0" anchor="ctr"/>
+          <a:lstStyle/>
+          <a:p>
+            <a:pPr algn="ctr"/>
+            <a:endParaRPr lang="en-SG"/>
+          </a:p>
+        </p:txBody>
+      </p:sp>
+      <p:sp>
+        <p:nvSpPr>
+          <p:cNvPr id="26" name="Arrow: Right 25">
+            <a:extLst>
+              <a:ext uri="{FF2B5EF4-FFF2-40B4-BE49-F238E27FC236}">
+                <a16:creationId xmlns:a16="http://schemas.microsoft.com/office/drawing/2014/main" id="{D467D752-D027-D04B-A320-90B863923C24}"/>
+              </a:ext>
+            </a:extLst>
+          </p:cNvPr>
+          <p:cNvSpPr/>
+          <p:nvPr/>
+        </p:nvSpPr>
+        <p:spPr>
+          <a:xfrm>
+            <a:off x="8617515" y="3151913"/>
+            <a:ext cx="288601" cy="172369"/>
+          </a:xfrm>
+          <a:prstGeom prst="rightArrow">
+            <a:avLst/>
+          </a:prstGeom>
+        </p:spPr>
+        <p:style>
+          <a:lnRef idx="2">
+            <a:schemeClr val="accent1">
+              <a:shade val="15000"/>
+            </a:schemeClr>
+          </a:lnRef>
+          <a:fillRef idx="1">
+            <a:schemeClr val="accent1"/>
+          </a:fillRef>
+          <a:effectRef idx="0">
+            <a:schemeClr val="accent1"/>
+          </a:effectRef>
+          <a:fontRef idx="minor">
+            <a:schemeClr val="lt1"/>
+          </a:fontRef>
+        </p:style>
+        <p:txBody>
+          <a:bodyPr rtlCol="0" anchor="ctr"/>
+          <a:lstStyle/>
+          <a:p>
+            <a:pPr algn="ctr"/>
+            <a:endParaRPr lang="en-SG"/>
+          </a:p>
+        </p:txBody>
+      </p:sp>
+      <p:sp>
+        <p:nvSpPr>
+          <p:cNvPr id="27" name="Arrow: Down 26">
+            <a:extLst>
+              <a:ext uri="{FF2B5EF4-FFF2-40B4-BE49-F238E27FC236}">
+                <a16:creationId xmlns:a16="http://schemas.microsoft.com/office/drawing/2014/main" id="{F91383C4-315D-0A4B-DB62-F999B3A89D25}"/>
+              </a:ext>
+            </a:extLst>
+          </p:cNvPr>
+          <p:cNvSpPr/>
+          <p:nvPr/>
+        </p:nvSpPr>
+        <p:spPr>
+          <a:xfrm>
+            <a:off x="9800216" y="3818964"/>
+            <a:ext cx="158450" cy="183239"/>
+          </a:xfrm>
+          <a:prstGeom prst="downArrow">
+            <a:avLst/>
+          </a:prstGeom>
+        </p:spPr>
+        <p:style>
+          <a:lnRef idx="2">
+            <a:schemeClr val="accent1">
+              <a:shade val="15000"/>
+            </a:schemeClr>
+          </a:lnRef>
+          <a:fillRef idx="1">
+            <a:schemeClr val="accent1"/>
+          </a:fillRef>
+          <a:effectRef idx="0">
+            <a:schemeClr val="accent1"/>
+          </a:effectRef>
+          <a:fontRef idx="minor">
+            <a:schemeClr val="lt1"/>
+          </a:fontRef>
+        </p:style>
+        <p:txBody>
+          <a:bodyPr rtlCol="0" anchor="ctr"/>
+          <a:lstStyle/>
+          <a:p>
+            <a:pPr algn="ctr"/>
+            <a:endParaRPr lang="en-SG"/>
+          </a:p>
+        </p:txBody>
+      </p:sp>
+      <p:sp>
+        <p:nvSpPr>
           <p:cNvPr id="28" name="TextBox 27">
             <a:extLst>
               <a:ext uri="{FF2B5EF4-FFF2-40B4-BE49-F238E27FC236}">
-                <a16:creationId xmlns:a16="http://schemas.microsoft.com/office/drawing/2014/main" id="{A1D7F766-B368-CF88-B3CA-EDB1F635D7EC}"/>
+                <a16:creationId xmlns:a16="http://schemas.microsoft.com/office/drawing/2014/main" id="{EC6797EA-3954-84A4-A46B-423576C5295B}"/>
               </a:ext>
             </a:extLst>
           </p:cNvPr>
@@ -4245,7 +5470,7 @@
     </p:spTree>
     <p:extLst>
       <p:ext uri="{BB962C8B-B14F-4D97-AF65-F5344CB8AC3E}">
-        <p14:creationId xmlns:p14="http://schemas.microsoft.com/office/powerpoint/2010/main" val="3998285957"/>
+        <p14:creationId xmlns:p14="http://schemas.microsoft.com/office/powerpoint/2010/main" val="443814612"/>
       </p:ext>
     </p:extLst>
   </p:cSld>

--- a/IT_System_Attack_Case_Study/Kypo_on_OpenStack_Deployment/img/designDoc.pptx
+++ b/IT_System_Attack_Case_Study/Kypo_on_OpenStack_Deployment/img/designDoc.pptx
@@ -262,7 +262,7 @@
           <a:p>
             <a:fld id="{4FE1AEF0-BFB1-40F4-A5E6-B4BE23E5F87D}" type="datetimeFigureOut">
               <a:rPr lang="en-SG" smtClean="0"/>
-              <a:t>19/7/2025</a:t>
+              <a:t>20/7/2025</a:t>
             </a:fld>
             <a:endParaRPr lang="en-SG"/>
           </a:p>
@@ -462,7 +462,7 @@
           <a:p>
             <a:fld id="{4FE1AEF0-BFB1-40F4-A5E6-B4BE23E5F87D}" type="datetimeFigureOut">
               <a:rPr lang="en-SG" smtClean="0"/>
-              <a:t>19/7/2025</a:t>
+              <a:t>20/7/2025</a:t>
             </a:fld>
             <a:endParaRPr lang="en-SG"/>
           </a:p>
@@ -672,7 +672,7 @@
           <a:p>
             <a:fld id="{4FE1AEF0-BFB1-40F4-A5E6-B4BE23E5F87D}" type="datetimeFigureOut">
               <a:rPr lang="en-SG" smtClean="0"/>
-              <a:t>19/7/2025</a:t>
+              <a:t>20/7/2025</a:t>
             </a:fld>
             <a:endParaRPr lang="en-SG"/>
           </a:p>
@@ -872,7 +872,7 @@
           <a:p>
             <a:fld id="{4FE1AEF0-BFB1-40F4-A5E6-B4BE23E5F87D}" type="datetimeFigureOut">
               <a:rPr lang="en-SG" smtClean="0"/>
-              <a:t>19/7/2025</a:t>
+              <a:t>20/7/2025</a:t>
             </a:fld>
             <a:endParaRPr lang="en-SG"/>
           </a:p>
@@ -1148,7 +1148,7 @@
           <a:p>
             <a:fld id="{4FE1AEF0-BFB1-40F4-A5E6-B4BE23E5F87D}" type="datetimeFigureOut">
               <a:rPr lang="en-SG" smtClean="0"/>
-              <a:t>19/7/2025</a:t>
+              <a:t>20/7/2025</a:t>
             </a:fld>
             <a:endParaRPr lang="en-SG"/>
           </a:p>
@@ -1416,7 +1416,7 @@
           <a:p>
             <a:fld id="{4FE1AEF0-BFB1-40F4-A5E6-B4BE23E5F87D}" type="datetimeFigureOut">
               <a:rPr lang="en-SG" smtClean="0"/>
-              <a:t>19/7/2025</a:t>
+              <a:t>20/7/2025</a:t>
             </a:fld>
             <a:endParaRPr lang="en-SG"/>
           </a:p>
@@ -1831,7 +1831,7 @@
           <a:p>
             <a:fld id="{4FE1AEF0-BFB1-40F4-A5E6-B4BE23E5F87D}" type="datetimeFigureOut">
               <a:rPr lang="en-SG" smtClean="0"/>
-              <a:t>19/7/2025</a:t>
+              <a:t>20/7/2025</a:t>
             </a:fld>
             <a:endParaRPr lang="en-SG"/>
           </a:p>
@@ -1973,7 +1973,7 @@
           <a:p>
             <a:fld id="{4FE1AEF0-BFB1-40F4-A5E6-B4BE23E5F87D}" type="datetimeFigureOut">
               <a:rPr lang="en-SG" smtClean="0"/>
-              <a:t>19/7/2025</a:t>
+              <a:t>20/7/2025</a:t>
             </a:fld>
             <a:endParaRPr lang="en-SG"/>
           </a:p>
@@ -2086,7 +2086,7 @@
           <a:p>
             <a:fld id="{4FE1AEF0-BFB1-40F4-A5E6-B4BE23E5F87D}" type="datetimeFigureOut">
               <a:rPr lang="en-SG" smtClean="0"/>
-              <a:t>19/7/2025</a:t>
+              <a:t>20/7/2025</a:t>
             </a:fld>
             <a:endParaRPr lang="en-SG"/>
           </a:p>
@@ -2399,7 +2399,7 @@
           <a:p>
             <a:fld id="{4FE1AEF0-BFB1-40F4-A5E6-B4BE23E5F87D}" type="datetimeFigureOut">
               <a:rPr lang="en-SG" smtClean="0"/>
-              <a:t>19/7/2025</a:t>
+              <a:t>20/7/2025</a:t>
             </a:fld>
             <a:endParaRPr lang="en-SG"/>
           </a:p>
@@ -2688,7 +2688,7 @@
           <a:p>
             <a:fld id="{4FE1AEF0-BFB1-40F4-A5E6-B4BE23E5F87D}" type="datetimeFigureOut">
               <a:rPr lang="en-SG" smtClean="0"/>
-              <a:t>19/7/2025</a:t>
+              <a:t>20/7/2025</a:t>
             </a:fld>
             <a:endParaRPr lang="en-SG"/>
           </a:p>
@@ -2931,7 +2931,7 @@
           <a:p>
             <a:fld id="{4FE1AEF0-BFB1-40F4-A5E6-B4BE23E5F87D}" type="datetimeFigureOut">
               <a:rPr lang="en-SG" smtClean="0"/>
-              <a:t>19/7/2025</a:t>
+              <a:t>20/7/2025</a:t>
             </a:fld>
             <a:endParaRPr lang="en-SG"/>
           </a:p>
